--- a/hw01.pptx
+++ b/hw01.pptx
@@ -2,10 +2,20 @@
 <file path=ppt/presentation.xml><?xml version="1.0" encoding="utf-8"?>
 <p:presentation xmlns:a="http://schemas.openxmlformats.org/drawingml/2006/main" xmlns:r="http://schemas.openxmlformats.org/officeDocument/2006/relationships" xmlns:p="http://schemas.openxmlformats.org/presentationml/2006/main" saveSubsetFonts="1">
   <p:sldMasterIdLst>
-    <p:sldMasterId id="2147483648" r:id="rId1"/>
+    <p:sldMasterId id="2147483785" r:id="rId1"/>
   </p:sldMasterIdLst>
+  <p:notesMasterIdLst>
+    <p:notesMasterId r:id="rId10"/>
+  </p:notesMasterIdLst>
   <p:sldIdLst>
-    <p:sldId id="256" r:id="rId2"/>
+    <p:sldId id="257" r:id="rId2"/>
+    <p:sldId id="256" r:id="rId3"/>
+    <p:sldId id="258" r:id="rId4"/>
+    <p:sldId id="259" r:id="rId5"/>
+    <p:sldId id="260" r:id="rId6"/>
+    <p:sldId id="261" r:id="rId7"/>
+    <p:sldId id="262" r:id="rId8"/>
+    <p:sldId id="263" r:id="rId9"/>
   </p:sldIdLst>
   <p:sldSz cx="12192000" cy="6858000"/>
   <p:notesSz cx="6858000" cy="9144000"/>
@@ -104,7 +114,1201 @@
       </a:defRPr>
     </a:lvl9pPr>
   </p:defaultTextStyle>
+  <p:extLst>
+    <p:ext uri="{EFAFB233-063F-42B5-8137-9DF3F51BA10A}">
+      <p15:sldGuideLst xmlns:p15="http://schemas.microsoft.com/office/powerpoint/2012/main"/>
+    </p:ext>
+  </p:extLst>
 </p:presentation>
+</file>
+
+<file path=ppt/notesMasters/notesMaster1.xml><?xml version="1.0" encoding="utf-8"?>
+<p:notesMaster xmlns:a="http://schemas.openxmlformats.org/drawingml/2006/main" xmlns:r="http://schemas.openxmlformats.org/officeDocument/2006/relationships" xmlns:p="http://schemas.openxmlformats.org/presentationml/2006/main">
+  <p:cSld>
+    <p:bg>
+      <p:bgRef idx="1001">
+        <a:schemeClr val="bg1"/>
+      </p:bgRef>
+    </p:bg>
+    <p:spTree>
+      <p:nvGrpSpPr>
+        <p:cNvPr id="1" name=""/>
+        <p:cNvGrpSpPr/>
+        <p:nvPr/>
+      </p:nvGrpSpPr>
+      <p:grpSpPr>
+        <a:xfrm>
+          <a:off x="0" y="0"/>
+          <a:ext cx="0" cy="0"/>
+          <a:chOff x="0" y="0"/>
+          <a:chExt cx="0" cy="0"/>
+        </a:xfrm>
+      </p:grpSpPr>
+      <p:sp>
+        <p:nvSpPr>
+          <p:cNvPr id="2" name="頁首版面配置區 1"/>
+          <p:cNvSpPr>
+            <a:spLocks noGrp="1"/>
+          </p:cNvSpPr>
+          <p:nvPr>
+            <p:ph type="hdr" sz="quarter"/>
+          </p:nvPr>
+        </p:nvSpPr>
+        <p:spPr>
+          <a:xfrm>
+            <a:off x="0" y="0"/>
+            <a:ext cx="2971800" cy="458788"/>
+          </a:xfrm>
+          <a:prstGeom prst="rect">
+            <a:avLst/>
+          </a:prstGeom>
+        </p:spPr>
+        <p:txBody>
+          <a:bodyPr vert="horz" lIns="91440" tIns="45720" rIns="91440" bIns="45720" rtlCol="0"/>
+          <a:lstStyle>
+            <a:lvl1pPr algn="l">
+              <a:defRPr sz="1200"/>
+            </a:lvl1pPr>
+          </a:lstStyle>
+          <a:p>
+            <a:endParaRPr lang="zh-TW" altLang="en-US"/>
+          </a:p>
+        </p:txBody>
+      </p:sp>
+      <p:sp>
+        <p:nvSpPr>
+          <p:cNvPr id="3" name="日期版面配置區 2"/>
+          <p:cNvSpPr>
+            <a:spLocks noGrp="1"/>
+          </p:cNvSpPr>
+          <p:nvPr>
+            <p:ph type="dt" idx="1"/>
+          </p:nvPr>
+        </p:nvSpPr>
+        <p:spPr>
+          <a:xfrm>
+            <a:off x="3884613" y="0"/>
+            <a:ext cx="2971800" cy="458788"/>
+          </a:xfrm>
+          <a:prstGeom prst="rect">
+            <a:avLst/>
+          </a:prstGeom>
+        </p:spPr>
+        <p:txBody>
+          <a:bodyPr vert="horz" lIns="91440" tIns="45720" rIns="91440" bIns="45720" rtlCol="0"/>
+          <a:lstStyle>
+            <a:lvl1pPr algn="r">
+              <a:defRPr sz="1200"/>
+            </a:lvl1pPr>
+          </a:lstStyle>
+          <a:p>
+            <a:fld id="{0B005D7B-E20D-4B82-9C76-2DE798332136}" type="datetimeFigureOut">
+              <a:rPr lang="zh-TW" altLang="en-US" smtClean="0"/>
+              <a:t>2024/10/24</a:t>
+            </a:fld>
+            <a:endParaRPr lang="zh-TW" altLang="en-US"/>
+          </a:p>
+        </p:txBody>
+      </p:sp>
+      <p:sp>
+        <p:nvSpPr>
+          <p:cNvPr id="4" name="投影片影像版面配置區 3"/>
+          <p:cNvSpPr>
+            <a:spLocks noGrp="1" noRot="1" noChangeAspect="1"/>
+          </p:cNvSpPr>
+          <p:nvPr>
+            <p:ph type="sldImg" idx="2"/>
+          </p:nvPr>
+        </p:nvSpPr>
+        <p:spPr>
+          <a:xfrm>
+            <a:off x="685800" y="1143000"/>
+            <a:ext cx="5486400" cy="3086100"/>
+          </a:xfrm>
+          <a:prstGeom prst="rect">
+            <a:avLst/>
+          </a:prstGeom>
+          <a:noFill/>
+          <a:ln w="12700">
+            <a:solidFill>
+              <a:prstClr val="black"/>
+            </a:solidFill>
+          </a:ln>
+        </p:spPr>
+        <p:txBody>
+          <a:bodyPr vert="horz" lIns="91440" tIns="45720" rIns="91440" bIns="45720" rtlCol="0" anchor="ctr"/>
+          <a:lstStyle/>
+          <a:p>
+            <a:endParaRPr lang="zh-TW" altLang="en-US"/>
+          </a:p>
+        </p:txBody>
+      </p:sp>
+      <p:sp>
+        <p:nvSpPr>
+          <p:cNvPr id="5" name="備忘稿版面配置區 4"/>
+          <p:cNvSpPr>
+            <a:spLocks noGrp="1"/>
+          </p:cNvSpPr>
+          <p:nvPr>
+            <p:ph type="body" sz="quarter" idx="3"/>
+          </p:nvPr>
+        </p:nvSpPr>
+        <p:spPr>
+          <a:xfrm>
+            <a:off x="685800" y="4400550"/>
+            <a:ext cx="5486400" cy="3600450"/>
+          </a:xfrm>
+          <a:prstGeom prst="rect">
+            <a:avLst/>
+          </a:prstGeom>
+        </p:spPr>
+        <p:txBody>
+          <a:bodyPr vert="horz" lIns="91440" tIns="45720" rIns="91440" bIns="45720" rtlCol="0"/>
+          <a:lstStyle/>
+          <a:p>
+            <a:pPr lvl="0"/>
+            <a:r>
+              <a:rPr lang="zh-TW" altLang="en-US"/>
+              <a:t>編輯母片文字樣式</a:t>
+            </a:r>
+          </a:p>
+          <a:p>
+            <a:pPr lvl="1"/>
+            <a:r>
+              <a:rPr lang="zh-TW" altLang="en-US"/>
+              <a:t>第二層</a:t>
+            </a:r>
+          </a:p>
+          <a:p>
+            <a:pPr lvl="2"/>
+            <a:r>
+              <a:rPr lang="zh-TW" altLang="en-US"/>
+              <a:t>第三層</a:t>
+            </a:r>
+          </a:p>
+          <a:p>
+            <a:pPr lvl="3"/>
+            <a:r>
+              <a:rPr lang="zh-TW" altLang="en-US"/>
+              <a:t>第四層</a:t>
+            </a:r>
+          </a:p>
+          <a:p>
+            <a:pPr lvl="4"/>
+            <a:r>
+              <a:rPr lang="zh-TW" altLang="en-US"/>
+              <a:t>第五層</a:t>
+            </a:r>
+          </a:p>
+        </p:txBody>
+      </p:sp>
+      <p:sp>
+        <p:nvSpPr>
+          <p:cNvPr id="6" name="頁尾版面配置區 5"/>
+          <p:cNvSpPr>
+            <a:spLocks noGrp="1"/>
+          </p:cNvSpPr>
+          <p:nvPr>
+            <p:ph type="ftr" sz="quarter" idx="4"/>
+          </p:nvPr>
+        </p:nvSpPr>
+        <p:spPr>
+          <a:xfrm>
+            <a:off x="0" y="8685213"/>
+            <a:ext cx="2971800" cy="458787"/>
+          </a:xfrm>
+          <a:prstGeom prst="rect">
+            <a:avLst/>
+          </a:prstGeom>
+        </p:spPr>
+        <p:txBody>
+          <a:bodyPr vert="horz" lIns="91440" tIns="45720" rIns="91440" bIns="45720" rtlCol="0" anchor="b"/>
+          <a:lstStyle>
+            <a:lvl1pPr algn="l">
+              <a:defRPr sz="1200"/>
+            </a:lvl1pPr>
+          </a:lstStyle>
+          <a:p>
+            <a:endParaRPr lang="zh-TW" altLang="en-US"/>
+          </a:p>
+        </p:txBody>
+      </p:sp>
+      <p:sp>
+        <p:nvSpPr>
+          <p:cNvPr id="7" name="投影片編號版面配置區 6"/>
+          <p:cNvSpPr>
+            <a:spLocks noGrp="1"/>
+          </p:cNvSpPr>
+          <p:nvPr>
+            <p:ph type="sldNum" sz="quarter" idx="5"/>
+          </p:nvPr>
+        </p:nvSpPr>
+        <p:spPr>
+          <a:xfrm>
+            <a:off x="3884613" y="8685213"/>
+            <a:ext cx="2971800" cy="458787"/>
+          </a:xfrm>
+          <a:prstGeom prst="rect">
+            <a:avLst/>
+          </a:prstGeom>
+        </p:spPr>
+        <p:txBody>
+          <a:bodyPr vert="horz" lIns="91440" tIns="45720" rIns="91440" bIns="45720" rtlCol="0" anchor="b"/>
+          <a:lstStyle>
+            <a:lvl1pPr algn="r">
+              <a:defRPr sz="1200"/>
+            </a:lvl1pPr>
+          </a:lstStyle>
+          <a:p>
+            <a:fld id="{EF5510F0-FAF6-4881-AC81-CFE2BC693EB2}" type="slidenum">
+              <a:rPr lang="zh-TW" altLang="en-US" smtClean="0"/>
+              <a:t>‹#›</a:t>
+            </a:fld>
+            <a:endParaRPr lang="zh-TW" altLang="en-US"/>
+          </a:p>
+        </p:txBody>
+      </p:sp>
+    </p:spTree>
+    <p:extLst>
+      <p:ext uri="{BB962C8B-B14F-4D97-AF65-F5344CB8AC3E}">
+        <p14:creationId xmlns:p14="http://schemas.microsoft.com/office/powerpoint/2010/main" val="1388271337"/>
+      </p:ext>
+    </p:extLst>
+  </p:cSld>
+  <p:clrMap bg1="lt1" tx1="dk1" bg2="lt2" tx2="dk2" accent1="accent1" accent2="accent2" accent3="accent3" accent4="accent4" accent5="accent5" accent6="accent6" hlink="hlink" folHlink="folHlink"/>
+  <p:notesStyle>
+    <a:lvl1pPr marL="0" algn="l" defTabSz="914400" rtl="0" eaLnBrk="1" latinLnBrk="0" hangingPunct="1">
+      <a:defRPr sz="1200" kern="1200">
+        <a:solidFill>
+          <a:schemeClr val="tx1"/>
+        </a:solidFill>
+        <a:latin typeface="+mn-lt"/>
+        <a:ea typeface="+mn-ea"/>
+        <a:cs typeface="+mn-cs"/>
+      </a:defRPr>
+    </a:lvl1pPr>
+    <a:lvl2pPr marL="457200" algn="l" defTabSz="914400" rtl="0" eaLnBrk="1" latinLnBrk="0" hangingPunct="1">
+      <a:defRPr sz="1200" kern="1200">
+        <a:solidFill>
+          <a:schemeClr val="tx1"/>
+        </a:solidFill>
+        <a:latin typeface="+mn-lt"/>
+        <a:ea typeface="+mn-ea"/>
+        <a:cs typeface="+mn-cs"/>
+      </a:defRPr>
+    </a:lvl2pPr>
+    <a:lvl3pPr marL="914400" algn="l" defTabSz="914400" rtl="0" eaLnBrk="1" latinLnBrk="0" hangingPunct="1">
+      <a:defRPr sz="1200" kern="1200">
+        <a:solidFill>
+          <a:schemeClr val="tx1"/>
+        </a:solidFill>
+        <a:latin typeface="+mn-lt"/>
+        <a:ea typeface="+mn-ea"/>
+        <a:cs typeface="+mn-cs"/>
+      </a:defRPr>
+    </a:lvl3pPr>
+    <a:lvl4pPr marL="1371600" algn="l" defTabSz="914400" rtl="0" eaLnBrk="1" latinLnBrk="0" hangingPunct="1">
+      <a:defRPr sz="1200" kern="1200">
+        <a:solidFill>
+          <a:schemeClr val="tx1"/>
+        </a:solidFill>
+        <a:latin typeface="+mn-lt"/>
+        <a:ea typeface="+mn-ea"/>
+        <a:cs typeface="+mn-cs"/>
+      </a:defRPr>
+    </a:lvl4pPr>
+    <a:lvl5pPr marL="1828800" algn="l" defTabSz="914400" rtl="0" eaLnBrk="1" latinLnBrk="0" hangingPunct="1">
+      <a:defRPr sz="1200" kern="1200">
+        <a:solidFill>
+          <a:schemeClr val="tx1"/>
+        </a:solidFill>
+        <a:latin typeface="+mn-lt"/>
+        <a:ea typeface="+mn-ea"/>
+        <a:cs typeface="+mn-cs"/>
+      </a:defRPr>
+    </a:lvl5pPr>
+    <a:lvl6pPr marL="2286000" algn="l" defTabSz="914400" rtl="0" eaLnBrk="1" latinLnBrk="0" hangingPunct="1">
+      <a:defRPr sz="1200" kern="1200">
+        <a:solidFill>
+          <a:schemeClr val="tx1"/>
+        </a:solidFill>
+        <a:latin typeface="+mn-lt"/>
+        <a:ea typeface="+mn-ea"/>
+        <a:cs typeface="+mn-cs"/>
+      </a:defRPr>
+    </a:lvl6pPr>
+    <a:lvl7pPr marL="2743200" algn="l" defTabSz="914400" rtl="0" eaLnBrk="1" latinLnBrk="0" hangingPunct="1">
+      <a:defRPr sz="1200" kern="1200">
+        <a:solidFill>
+          <a:schemeClr val="tx1"/>
+        </a:solidFill>
+        <a:latin typeface="+mn-lt"/>
+        <a:ea typeface="+mn-ea"/>
+        <a:cs typeface="+mn-cs"/>
+      </a:defRPr>
+    </a:lvl7pPr>
+    <a:lvl8pPr marL="3200400" algn="l" defTabSz="914400" rtl="0" eaLnBrk="1" latinLnBrk="0" hangingPunct="1">
+      <a:defRPr sz="1200" kern="1200">
+        <a:solidFill>
+          <a:schemeClr val="tx1"/>
+        </a:solidFill>
+        <a:latin typeface="+mn-lt"/>
+        <a:ea typeface="+mn-ea"/>
+        <a:cs typeface="+mn-cs"/>
+      </a:defRPr>
+    </a:lvl8pPr>
+    <a:lvl9pPr marL="3657600" algn="l" defTabSz="914400" rtl="0" eaLnBrk="1" latinLnBrk="0" hangingPunct="1">
+      <a:defRPr sz="1200" kern="1200">
+        <a:solidFill>
+          <a:schemeClr val="tx1"/>
+        </a:solidFill>
+        <a:latin typeface="+mn-lt"/>
+        <a:ea typeface="+mn-ea"/>
+        <a:cs typeface="+mn-cs"/>
+      </a:defRPr>
+    </a:lvl9pPr>
+  </p:notesStyle>
+</p:notesMaster>
+</file>
+
+<file path=ppt/notesSlides/notesSlide1.xml><?xml version="1.0" encoding="utf-8"?>
+<p:notes xmlns:a="http://schemas.openxmlformats.org/drawingml/2006/main" xmlns:r="http://schemas.openxmlformats.org/officeDocument/2006/relationships" xmlns:p="http://schemas.openxmlformats.org/presentationml/2006/main">
+  <p:cSld>
+    <p:spTree>
+      <p:nvGrpSpPr>
+        <p:cNvPr id="1" name=""/>
+        <p:cNvGrpSpPr/>
+        <p:nvPr/>
+      </p:nvGrpSpPr>
+      <p:grpSpPr>
+        <a:xfrm>
+          <a:off x="0" y="0"/>
+          <a:ext cx="0" cy="0"/>
+          <a:chOff x="0" y="0"/>
+          <a:chExt cx="0" cy="0"/>
+        </a:xfrm>
+      </p:grpSpPr>
+      <p:sp>
+        <p:nvSpPr>
+          <p:cNvPr id="2" name="投影片影像版面配置區 1"/>
+          <p:cNvSpPr>
+            <a:spLocks noGrp="1" noRot="1" noChangeAspect="1"/>
+          </p:cNvSpPr>
+          <p:nvPr>
+            <p:ph type="sldImg"/>
+          </p:nvPr>
+        </p:nvSpPr>
+        <p:spPr/>
+      </p:sp>
+      <p:sp>
+        <p:nvSpPr>
+          <p:cNvPr id="3" name="備忘稿版面配置區 2"/>
+          <p:cNvSpPr>
+            <a:spLocks noGrp="1"/>
+          </p:cNvSpPr>
+          <p:nvPr>
+            <p:ph type="body" idx="1"/>
+          </p:nvPr>
+        </p:nvSpPr>
+        <p:spPr/>
+        <p:txBody>
+          <a:bodyPr/>
+          <a:lstStyle/>
+          <a:p>
+            <a:r>
+              <a:rPr lang="zh-TW" altLang="zh-TW" sz="1200" b="0" i="0" u="none" strike="noStrike" kern="1200" dirty="0">
+                <a:solidFill>
+                  <a:schemeClr val="tx1"/>
+                </a:solidFill>
+                <a:effectLst/>
+                <a:latin typeface="+mn-lt"/>
+                <a:ea typeface="+mn-ea"/>
+                <a:cs typeface="+mn-cs"/>
+              </a:rPr>
+              <a:t>銀色短髮、穿著黑色外套、黑色牛仔褲、日本動漫風格、年齡大概</a:t>
+            </a:r>
+            <a:r>
+              <a:rPr lang="en-US" altLang="zh-TW" sz="1200" b="0" i="0" u="none" strike="noStrike" kern="1200" dirty="0">
+                <a:solidFill>
+                  <a:schemeClr val="tx1"/>
+                </a:solidFill>
+                <a:effectLst/>
+                <a:latin typeface="+mn-lt"/>
+                <a:ea typeface="+mn-ea"/>
+                <a:cs typeface="+mn-cs"/>
+              </a:rPr>
+              <a:t>20</a:t>
+            </a:r>
+            <a:r>
+              <a:rPr lang="zh-TW" altLang="zh-TW" sz="1200" b="0" i="0" u="none" strike="noStrike" kern="1200" dirty="0">
+                <a:solidFill>
+                  <a:schemeClr val="tx1"/>
+                </a:solidFill>
+                <a:effectLst/>
+                <a:latin typeface="+mn-lt"/>
+                <a:ea typeface="+mn-ea"/>
+                <a:cs typeface="+mn-cs"/>
+              </a:rPr>
+              <a:t>歲左右、要看起來成熟一點、眼睛是淺藍色的、正在一個大型演講廳演講</a:t>
+            </a:r>
+            <a:endParaRPr lang="zh-TW" altLang="en-US" dirty="0"/>
+          </a:p>
+        </p:txBody>
+      </p:sp>
+      <p:sp>
+        <p:nvSpPr>
+          <p:cNvPr id="4" name="投影片編號版面配置區 3"/>
+          <p:cNvSpPr>
+            <a:spLocks noGrp="1"/>
+          </p:cNvSpPr>
+          <p:nvPr>
+            <p:ph type="sldNum" sz="quarter" idx="5"/>
+          </p:nvPr>
+        </p:nvSpPr>
+        <p:spPr/>
+        <p:txBody>
+          <a:bodyPr/>
+          <a:lstStyle/>
+          <a:p>
+            <a:fld id="{EF5510F0-FAF6-4881-AC81-CFE2BC693EB2}" type="slidenum">
+              <a:rPr lang="zh-TW" altLang="en-US" smtClean="0"/>
+              <a:t>2</a:t>
+            </a:fld>
+            <a:endParaRPr lang="zh-TW" altLang="en-US"/>
+          </a:p>
+        </p:txBody>
+      </p:sp>
+    </p:spTree>
+    <p:extLst>
+      <p:ext uri="{BB962C8B-B14F-4D97-AF65-F5344CB8AC3E}">
+        <p14:creationId xmlns:p14="http://schemas.microsoft.com/office/powerpoint/2010/main" val="2285007185"/>
+      </p:ext>
+    </p:extLst>
+  </p:cSld>
+  <p:clrMapOvr>
+    <a:masterClrMapping/>
+  </p:clrMapOvr>
+</p:notes>
+</file>
+
+<file path=ppt/notesSlides/notesSlide2.xml><?xml version="1.0" encoding="utf-8"?>
+<p:notes xmlns:a="http://schemas.openxmlformats.org/drawingml/2006/main" xmlns:r="http://schemas.openxmlformats.org/officeDocument/2006/relationships" xmlns:p="http://schemas.openxmlformats.org/presentationml/2006/main">
+  <p:cSld>
+    <p:spTree>
+      <p:nvGrpSpPr>
+        <p:cNvPr id="1" name=""/>
+        <p:cNvGrpSpPr/>
+        <p:nvPr/>
+      </p:nvGrpSpPr>
+      <p:grpSpPr>
+        <a:xfrm>
+          <a:off x="0" y="0"/>
+          <a:ext cx="0" cy="0"/>
+          <a:chOff x="0" y="0"/>
+          <a:chExt cx="0" cy="0"/>
+        </a:xfrm>
+      </p:grpSpPr>
+      <p:sp>
+        <p:nvSpPr>
+          <p:cNvPr id="2" name="投影片影像版面配置區 1"/>
+          <p:cNvSpPr>
+            <a:spLocks noGrp="1" noRot="1" noChangeAspect="1"/>
+          </p:cNvSpPr>
+          <p:nvPr>
+            <p:ph type="sldImg"/>
+          </p:nvPr>
+        </p:nvSpPr>
+        <p:spPr/>
+      </p:sp>
+      <p:sp>
+        <p:nvSpPr>
+          <p:cNvPr id="3" name="備忘稿版面配置區 2"/>
+          <p:cNvSpPr>
+            <a:spLocks noGrp="1"/>
+          </p:cNvSpPr>
+          <p:nvPr>
+            <p:ph type="body" idx="1"/>
+          </p:nvPr>
+        </p:nvSpPr>
+        <p:spPr/>
+        <p:txBody>
+          <a:bodyPr/>
+          <a:lstStyle/>
+          <a:p>
+            <a:r>
+              <a:rPr lang="zh-TW" altLang="zh-TW" sz="1200" b="0" i="0" u="none" strike="noStrike" kern="1200" dirty="0">
+                <a:solidFill>
+                  <a:schemeClr val="tx1"/>
+                </a:solidFill>
+                <a:effectLst/>
+                <a:latin typeface="+mn-lt"/>
+                <a:ea typeface="+mn-ea"/>
+                <a:cs typeface="+mn-cs"/>
+              </a:rPr>
+              <a:t>銀色短髮、穿著黑色外套、黑色牛仔褲、日本動漫風格、年齡大概</a:t>
+            </a:r>
+            <a:r>
+              <a:rPr lang="en-US" altLang="zh-TW" sz="1200" b="0" i="0" u="none" strike="noStrike" kern="1200" dirty="0">
+                <a:solidFill>
+                  <a:schemeClr val="tx1"/>
+                </a:solidFill>
+                <a:effectLst/>
+                <a:latin typeface="+mn-lt"/>
+                <a:ea typeface="+mn-ea"/>
+                <a:cs typeface="+mn-cs"/>
+              </a:rPr>
+              <a:t>20</a:t>
+            </a:r>
+            <a:r>
+              <a:rPr lang="zh-TW" altLang="zh-TW" sz="1200" b="0" i="0" u="none" strike="noStrike" kern="1200" dirty="0">
+                <a:solidFill>
+                  <a:schemeClr val="tx1"/>
+                </a:solidFill>
+                <a:effectLst/>
+                <a:latin typeface="+mn-lt"/>
+                <a:ea typeface="+mn-ea"/>
+                <a:cs typeface="+mn-cs"/>
+              </a:rPr>
+              <a:t>歲左右、要看起來成熟一點、眼睛是淺藍色的、正在奮力的讀書並感到壓力</a:t>
+            </a:r>
+            <a:endParaRPr lang="zh-TW" altLang="en-US" dirty="0"/>
+          </a:p>
+        </p:txBody>
+      </p:sp>
+      <p:sp>
+        <p:nvSpPr>
+          <p:cNvPr id="4" name="投影片編號版面配置區 3"/>
+          <p:cNvSpPr>
+            <a:spLocks noGrp="1"/>
+          </p:cNvSpPr>
+          <p:nvPr>
+            <p:ph type="sldNum" sz="quarter" idx="5"/>
+          </p:nvPr>
+        </p:nvSpPr>
+        <p:spPr/>
+        <p:txBody>
+          <a:bodyPr/>
+          <a:lstStyle/>
+          <a:p>
+            <a:fld id="{EF5510F0-FAF6-4881-AC81-CFE2BC693EB2}" type="slidenum">
+              <a:rPr lang="zh-TW" altLang="en-US" smtClean="0"/>
+              <a:t>3</a:t>
+            </a:fld>
+            <a:endParaRPr lang="zh-TW" altLang="en-US"/>
+          </a:p>
+        </p:txBody>
+      </p:sp>
+    </p:spTree>
+    <p:extLst>
+      <p:ext uri="{BB962C8B-B14F-4D97-AF65-F5344CB8AC3E}">
+        <p14:creationId xmlns:p14="http://schemas.microsoft.com/office/powerpoint/2010/main" val="1121807416"/>
+      </p:ext>
+    </p:extLst>
+  </p:cSld>
+  <p:clrMapOvr>
+    <a:masterClrMapping/>
+  </p:clrMapOvr>
+</p:notes>
+</file>
+
+<file path=ppt/notesSlides/notesSlide3.xml><?xml version="1.0" encoding="utf-8"?>
+<p:notes xmlns:a="http://schemas.openxmlformats.org/drawingml/2006/main" xmlns:r="http://schemas.openxmlformats.org/officeDocument/2006/relationships" xmlns:p="http://schemas.openxmlformats.org/presentationml/2006/main">
+  <p:cSld>
+    <p:spTree>
+      <p:nvGrpSpPr>
+        <p:cNvPr id="1" name=""/>
+        <p:cNvGrpSpPr/>
+        <p:nvPr/>
+      </p:nvGrpSpPr>
+      <p:grpSpPr>
+        <a:xfrm>
+          <a:off x="0" y="0"/>
+          <a:ext cx="0" cy="0"/>
+          <a:chOff x="0" y="0"/>
+          <a:chExt cx="0" cy="0"/>
+        </a:xfrm>
+      </p:grpSpPr>
+      <p:sp>
+        <p:nvSpPr>
+          <p:cNvPr id="2" name="投影片影像版面配置區 1"/>
+          <p:cNvSpPr>
+            <a:spLocks noGrp="1" noRot="1" noChangeAspect="1"/>
+          </p:cNvSpPr>
+          <p:nvPr>
+            <p:ph type="sldImg"/>
+          </p:nvPr>
+        </p:nvSpPr>
+        <p:spPr/>
+      </p:sp>
+      <p:sp>
+        <p:nvSpPr>
+          <p:cNvPr id="3" name="備忘稿版面配置區 2"/>
+          <p:cNvSpPr>
+            <a:spLocks noGrp="1"/>
+          </p:cNvSpPr>
+          <p:nvPr>
+            <p:ph type="body" idx="1"/>
+          </p:nvPr>
+        </p:nvSpPr>
+        <p:spPr/>
+        <p:txBody>
+          <a:bodyPr/>
+          <a:lstStyle/>
+          <a:p>
+            <a:r>
+              <a:rPr lang="zh-TW" altLang="zh-TW" sz="1200" b="0" i="0" u="none" strike="noStrike" kern="1200" dirty="0">
+                <a:solidFill>
+                  <a:schemeClr val="tx1"/>
+                </a:solidFill>
+                <a:effectLst/>
+                <a:latin typeface="+mn-lt"/>
+                <a:ea typeface="+mn-ea"/>
+                <a:cs typeface="+mn-cs"/>
+              </a:rPr>
+              <a:t>銀色短髮、穿著黑色外套、黑色牛仔褲、日本動漫風格、年齡大概</a:t>
+            </a:r>
+            <a:r>
+              <a:rPr lang="en-US" altLang="zh-TW" sz="1200" b="0" i="0" u="none" strike="noStrike" kern="1200" dirty="0">
+                <a:solidFill>
+                  <a:schemeClr val="tx1"/>
+                </a:solidFill>
+                <a:effectLst/>
+                <a:latin typeface="+mn-lt"/>
+                <a:ea typeface="+mn-ea"/>
+                <a:cs typeface="+mn-cs"/>
+              </a:rPr>
+              <a:t>20</a:t>
+            </a:r>
+            <a:r>
+              <a:rPr lang="zh-TW" altLang="zh-TW" sz="1200" b="0" i="0" u="none" strike="noStrike" kern="1200" dirty="0">
+                <a:solidFill>
+                  <a:schemeClr val="tx1"/>
+                </a:solidFill>
+                <a:effectLst/>
+                <a:latin typeface="+mn-lt"/>
+                <a:ea typeface="+mn-ea"/>
+                <a:cs typeface="+mn-cs"/>
+              </a:rPr>
+              <a:t>歲左右、要看起來成熟一點、眼睛是淺藍色的、正在問同學問題</a:t>
+            </a:r>
+            <a:endParaRPr lang="zh-TW" altLang="en-US" dirty="0"/>
+          </a:p>
+        </p:txBody>
+      </p:sp>
+      <p:sp>
+        <p:nvSpPr>
+          <p:cNvPr id="4" name="投影片編號版面配置區 3"/>
+          <p:cNvSpPr>
+            <a:spLocks noGrp="1"/>
+          </p:cNvSpPr>
+          <p:nvPr>
+            <p:ph type="sldNum" sz="quarter" idx="5"/>
+          </p:nvPr>
+        </p:nvSpPr>
+        <p:spPr/>
+        <p:txBody>
+          <a:bodyPr/>
+          <a:lstStyle/>
+          <a:p>
+            <a:fld id="{EF5510F0-FAF6-4881-AC81-CFE2BC693EB2}" type="slidenum">
+              <a:rPr lang="zh-TW" altLang="en-US" smtClean="0"/>
+              <a:t>4</a:t>
+            </a:fld>
+            <a:endParaRPr lang="zh-TW" altLang="en-US"/>
+          </a:p>
+        </p:txBody>
+      </p:sp>
+    </p:spTree>
+    <p:extLst>
+      <p:ext uri="{BB962C8B-B14F-4D97-AF65-F5344CB8AC3E}">
+        <p14:creationId xmlns:p14="http://schemas.microsoft.com/office/powerpoint/2010/main" val="1076317764"/>
+      </p:ext>
+    </p:extLst>
+  </p:cSld>
+  <p:clrMapOvr>
+    <a:masterClrMapping/>
+  </p:clrMapOvr>
+</p:notes>
+</file>
+
+<file path=ppt/notesSlides/notesSlide4.xml><?xml version="1.0" encoding="utf-8"?>
+<p:notes xmlns:a="http://schemas.openxmlformats.org/drawingml/2006/main" xmlns:r="http://schemas.openxmlformats.org/officeDocument/2006/relationships" xmlns:p="http://schemas.openxmlformats.org/presentationml/2006/main">
+  <p:cSld>
+    <p:spTree>
+      <p:nvGrpSpPr>
+        <p:cNvPr id="1" name=""/>
+        <p:cNvGrpSpPr/>
+        <p:nvPr/>
+      </p:nvGrpSpPr>
+      <p:grpSpPr>
+        <a:xfrm>
+          <a:off x="0" y="0"/>
+          <a:ext cx="0" cy="0"/>
+          <a:chOff x="0" y="0"/>
+          <a:chExt cx="0" cy="0"/>
+        </a:xfrm>
+      </p:grpSpPr>
+      <p:sp>
+        <p:nvSpPr>
+          <p:cNvPr id="2" name="投影片影像版面配置區 1"/>
+          <p:cNvSpPr>
+            <a:spLocks noGrp="1" noRot="1" noChangeAspect="1"/>
+          </p:cNvSpPr>
+          <p:nvPr>
+            <p:ph type="sldImg"/>
+          </p:nvPr>
+        </p:nvSpPr>
+        <p:spPr/>
+      </p:sp>
+      <p:sp>
+        <p:nvSpPr>
+          <p:cNvPr id="3" name="備忘稿版面配置區 2"/>
+          <p:cNvSpPr>
+            <a:spLocks noGrp="1"/>
+          </p:cNvSpPr>
+          <p:nvPr>
+            <p:ph type="body" idx="1"/>
+          </p:nvPr>
+        </p:nvSpPr>
+        <p:spPr/>
+        <p:txBody>
+          <a:bodyPr/>
+          <a:lstStyle/>
+          <a:p>
+            <a:r>
+              <a:rPr lang="zh-TW" altLang="zh-TW" sz="1200" b="0" i="0" u="none" strike="noStrike" kern="1200" dirty="0">
+                <a:solidFill>
+                  <a:schemeClr val="tx1"/>
+                </a:solidFill>
+                <a:effectLst/>
+                <a:latin typeface="+mn-lt"/>
+                <a:ea typeface="+mn-ea"/>
+                <a:cs typeface="+mn-cs"/>
+              </a:rPr>
+              <a:t>銀色短髮、穿著黑色外套、黑色牛仔褲、日本動漫風格、年齡大概</a:t>
+            </a:r>
+            <a:r>
+              <a:rPr lang="en-US" altLang="zh-TW" sz="1200" b="0" i="0" u="none" strike="noStrike" kern="1200" dirty="0">
+                <a:solidFill>
+                  <a:schemeClr val="tx1"/>
+                </a:solidFill>
+                <a:effectLst/>
+                <a:latin typeface="+mn-lt"/>
+                <a:ea typeface="+mn-ea"/>
+                <a:cs typeface="+mn-cs"/>
+              </a:rPr>
+              <a:t>20</a:t>
+            </a:r>
+            <a:r>
+              <a:rPr lang="zh-TW" altLang="zh-TW" sz="1200" b="0" i="0" u="none" strike="noStrike" kern="1200" dirty="0">
+                <a:solidFill>
+                  <a:schemeClr val="tx1"/>
+                </a:solidFill>
+                <a:effectLst/>
+                <a:latin typeface="+mn-lt"/>
+                <a:ea typeface="+mn-ea"/>
+                <a:cs typeface="+mn-cs"/>
+              </a:rPr>
+              <a:t>歲左右、要看起來成熟一點、眼睛是淺藍色的、正在看著考卷並感到失望</a:t>
+            </a:r>
+            <a:endParaRPr lang="zh-TW" altLang="en-US" dirty="0"/>
+          </a:p>
+        </p:txBody>
+      </p:sp>
+      <p:sp>
+        <p:nvSpPr>
+          <p:cNvPr id="4" name="投影片編號版面配置區 3"/>
+          <p:cNvSpPr>
+            <a:spLocks noGrp="1"/>
+          </p:cNvSpPr>
+          <p:nvPr>
+            <p:ph type="sldNum" sz="quarter" idx="5"/>
+          </p:nvPr>
+        </p:nvSpPr>
+        <p:spPr/>
+        <p:txBody>
+          <a:bodyPr/>
+          <a:lstStyle/>
+          <a:p>
+            <a:fld id="{EF5510F0-FAF6-4881-AC81-CFE2BC693EB2}" type="slidenum">
+              <a:rPr lang="zh-TW" altLang="en-US" smtClean="0"/>
+              <a:t>5</a:t>
+            </a:fld>
+            <a:endParaRPr lang="zh-TW" altLang="en-US"/>
+          </a:p>
+        </p:txBody>
+      </p:sp>
+    </p:spTree>
+    <p:extLst>
+      <p:ext uri="{BB962C8B-B14F-4D97-AF65-F5344CB8AC3E}">
+        <p14:creationId xmlns:p14="http://schemas.microsoft.com/office/powerpoint/2010/main" val="2499931103"/>
+      </p:ext>
+    </p:extLst>
+  </p:cSld>
+  <p:clrMapOvr>
+    <a:masterClrMapping/>
+  </p:clrMapOvr>
+</p:notes>
+</file>
+
+<file path=ppt/notesSlides/notesSlide5.xml><?xml version="1.0" encoding="utf-8"?>
+<p:notes xmlns:a="http://schemas.openxmlformats.org/drawingml/2006/main" xmlns:r="http://schemas.openxmlformats.org/officeDocument/2006/relationships" xmlns:p="http://schemas.openxmlformats.org/presentationml/2006/main">
+  <p:cSld>
+    <p:spTree>
+      <p:nvGrpSpPr>
+        <p:cNvPr id="1" name=""/>
+        <p:cNvGrpSpPr/>
+        <p:nvPr/>
+      </p:nvGrpSpPr>
+      <p:grpSpPr>
+        <a:xfrm>
+          <a:off x="0" y="0"/>
+          <a:ext cx="0" cy="0"/>
+          <a:chOff x="0" y="0"/>
+          <a:chExt cx="0" cy="0"/>
+        </a:xfrm>
+      </p:grpSpPr>
+      <p:sp>
+        <p:nvSpPr>
+          <p:cNvPr id="2" name="投影片影像版面配置區 1"/>
+          <p:cNvSpPr>
+            <a:spLocks noGrp="1" noRot="1" noChangeAspect="1"/>
+          </p:cNvSpPr>
+          <p:nvPr>
+            <p:ph type="sldImg"/>
+          </p:nvPr>
+        </p:nvSpPr>
+        <p:spPr/>
+      </p:sp>
+      <p:sp>
+        <p:nvSpPr>
+          <p:cNvPr id="3" name="備忘稿版面配置區 2"/>
+          <p:cNvSpPr>
+            <a:spLocks noGrp="1"/>
+          </p:cNvSpPr>
+          <p:nvPr>
+            <p:ph type="body" idx="1"/>
+          </p:nvPr>
+        </p:nvSpPr>
+        <p:spPr/>
+        <p:txBody>
+          <a:bodyPr/>
+          <a:lstStyle/>
+          <a:p>
+            <a:r>
+              <a:rPr lang="zh-TW" altLang="zh-TW" sz="1200" b="0" i="0" u="none" strike="noStrike" kern="1200" dirty="0">
+                <a:solidFill>
+                  <a:schemeClr val="tx1"/>
+                </a:solidFill>
+                <a:effectLst/>
+                <a:latin typeface="+mn-lt"/>
+                <a:ea typeface="+mn-ea"/>
+                <a:cs typeface="+mn-cs"/>
+              </a:rPr>
+              <a:t>銀色短髮、穿著黑色外套、黑色牛仔褲、日本動漫風格、年齡大概</a:t>
+            </a:r>
+            <a:r>
+              <a:rPr lang="en-US" altLang="zh-TW" sz="1200" b="0" i="0" u="none" strike="noStrike" kern="1200" dirty="0">
+                <a:solidFill>
+                  <a:schemeClr val="tx1"/>
+                </a:solidFill>
+                <a:effectLst/>
+                <a:latin typeface="+mn-lt"/>
+                <a:ea typeface="+mn-ea"/>
+                <a:cs typeface="+mn-cs"/>
+              </a:rPr>
+              <a:t>20</a:t>
+            </a:r>
+            <a:r>
+              <a:rPr lang="zh-TW" altLang="zh-TW" sz="1200" b="0" i="0" u="none" strike="noStrike" kern="1200" dirty="0">
+                <a:solidFill>
+                  <a:schemeClr val="tx1"/>
+                </a:solidFill>
+                <a:effectLst/>
+                <a:latin typeface="+mn-lt"/>
+                <a:ea typeface="+mn-ea"/>
+                <a:cs typeface="+mn-cs"/>
+              </a:rPr>
+              <a:t>歲左右、要看起來成熟一點、眼睛是淺藍色的、遇到一位教授，教授正在跟我說話</a:t>
+            </a:r>
+            <a:endParaRPr lang="zh-TW" altLang="en-US" dirty="0"/>
+          </a:p>
+        </p:txBody>
+      </p:sp>
+      <p:sp>
+        <p:nvSpPr>
+          <p:cNvPr id="4" name="投影片編號版面配置區 3"/>
+          <p:cNvSpPr>
+            <a:spLocks noGrp="1"/>
+          </p:cNvSpPr>
+          <p:nvPr>
+            <p:ph type="sldNum" sz="quarter" idx="5"/>
+          </p:nvPr>
+        </p:nvSpPr>
+        <p:spPr/>
+        <p:txBody>
+          <a:bodyPr/>
+          <a:lstStyle/>
+          <a:p>
+            <a:fld id="{EF5510F0-FAF6-4881-AC81-CFE2BC693EB2}" type="slidenum">
+              <a:rPr lang="zh-TW" altLang="en-US" smtClean="0"/>
+              <a:t>6</a:t>
+            </a:fld>
+            <a:endParaRPr lang="zh-TW" altLang="en-US"/>
+          </a:p>
+        </p:txBody>
+      </p:sp>
+    </p:spTree>
+    <p:extLst>
+      <p:ext uri="{BB962C8B-B14F-4D97-AF65-F5344CB8AC3E}">
+        <p14:creationId xmlns:p14="http://schemas.microsoft.com/office/powerpoint/2010/main" val="2237436397"/>
+      </p:ext>
+    </p:extLst>
+  </p:cSld>
+  <p:clrMapOvr>
+    <a:masterClrMapping/>
+  </p:clrMapOvr>
+</p:notes>
+</file>
+
+<file path=ppt/notesSlides/notesSlide6.xml><?xml version="1.0" encoding="utf-8"?>
+<p:notes xmlns:a="http://schemas.openxmlformats.org/drawingml/2006/main" xmlns:r="http://schemas.openxmlformats.org/officeDocument/2006/relationships" xmlns:p="http://schemas.openxmlformats.org/presentationml/2006/main">
+  <p:cSld>
+    <p:spTree>
+      <p:nvGrpSpPr>
+        <p:cNvPr id="1" name=""/>
+        <p:cNvGrpSpPr/>
+        <p:nvPr/>
+      </p:nvGrpSpPr>
+      <p:grpSpPr>
+        <a:xfrm>
+          <a:off x="0" y="0"/>
+          <a:ext cx="0" cy="0"/>
+          <a:chOff x="0" y="0"/>
+          <a:chExt cx="0" cy="0"/>
+        </a:xfrm>
+      </p:grpSpPr>
+      <p:sp>
+        <p:nvSpPr>
+          <p:cNvPr id="2" name="投影片影像版面配置區 1"/>
+          <p:cNvSpPr>
+            <a:spLocks noGrp="1" noRot="1" noChangeAspect="1"/>
+          </p:cNvSpPr>
+          <p:nvPr>
+            <p:ph type="sldImg"/>
+          </p:nvPr>
+        </p:nvSpPr>
+        <p:spPr/>
+      </p:sp>
+      <p:sp>
+        <p:nvSpPr>
+          <p:cNvPr id="3" name="備忘稿版面配置區 2"/>
+          <p:cNvSpPr>
+            <a:spLocks noGrp="1"/>
+          </p:cNvSpPr>
+          <p:nvPr>
+            <p:ph type="body" idx="1"/>
+          </p:nvPr>
+        </p:nvSpPr>
+        <p:spPr/>
+        <p:txBody>
+          <a:bodyPr/>
+          <a:lstStyle/>
+          <a:p>
+            <a:r>
+              <a:rPr lang="zh-TW" altLang="zh-TW" sz="1200" b="0" i="0" u="none" strike="noStrike" kern="1200" dirty="0">
+                <a:solidFill>
+                  <a:schemeClr val="tx1"/>
+                </a:solidFill>
+                <a:effectLst/>
+                <a:latin typeface="+mn-lt"/>
+                <a:ea typeface="+mn-ea"/>
+                <a:cs typeface="+mn-cs"/>
+              </a:rPr>
+              <a:t>銀色短髮、穿著黑色外套、黑色牛仔褲、日本動漫風格、年齡大概</a:t>
+            </a:r>
+            <a:r>
+              <a:rPr lang="en-US" altLang="zh-TW" sz="1200" b="0" i="0" u="none" strike="noStrike" kern="1200" dirty="0">
+                <a:solidFill>
+                  <a:schemeClr val="tx1"/>
+                </a:solidFill>
+                <a:effectLst/>
+                <a:latin typeface="+mn-lt"/>
+                <a:ea typeface="+mn-ea"/>
+                <a:cs typeface="+mn-cs"/>
+              </a:rPr>
+              <a:t>20</a:t>
+            </a:r>
+            <a:r>
+              <a:rPr lang="zh-TW" altLang="zh-TW" sz="1200" b="0" i="0" u="none" strike="noStrike" kern="1200" dirty="0">
+                <a:solidFill>
+                  <a:schemeClr val="tx1"/>
+                </a:solidFill>
+                <a:effectLst/>
+                <a:latin typeface="+mn-lt"/>
+                <a:ea typeface="+mn-ea"/>
+                <a:cs typeface="+mn-cs"/>
+              </a:rPr>
+              <a:t>歲左右、要看起來成熟一點、眼睛是淺藍色的、參加了研究小組、背景中要有電腦</a:t>
+            </a:r>
+            <a:endParaRPr lang="zh-TW" altLang="en-US" dirty="0"/>
+          </a:p>
+        </p:txBody>
+      </p:sp>
+      <p:sp>
+        <p:nvSpPr>
+          <p:cNvPr id="4" name="投影片編號版面配置區 3"/>
+          <p:cNvSpPr>
+            <a:spLocks noGrp="1"/>
+          </p:cNvSpPr>
+          <p:nvPr>
+            <p:ph type="sldNum" sz="quarter" idx="5"/>
+          </p:nvPr>
+        </p:nvSpPr>
+        <p:spPr/>
+        <p:txBody>
+          <a:bodyPr/>
+          <a:lstStyle/>
+          <a:p>
+            <a:fld id="{EF5510F0-FAF6-4881-AC81-CFE2BC693EB2}" type="slidenum">
+              <a:rPr lang="zh-TW" altLang="en-US" smtClean="0"/>
+              <a:t>7</a:t>
+            </a:fld>
+            <a:endParaRPr lang="zh-TW" altLang="en-US"/>
+          </a:p>
+        </p:txBody>
+      </p:sp>
+    </p:spTree>
+    <p:extLst>
+      <p:ext uri="{BB962C8B-B14F-4D97-AF65-F5344CB8AC3E}">
+        <p14:creationId xmlns:p14="http://schemas.microsoft.com/office/powerpoint/2010/main" val="1919234723"/>
+      </p:ext>
+    </p:extLst>
+  </p:cSld>
+  <p:clrMapOvr>
+    <a:masterClrMapping/>
+  </p:clrMapOvr>
+</p:notes>
+</file>
+
+<file path=ppt/notesSlides/notesSlide7.xml><?xml version="1.0" encoding="utf-8"?>
+<p:notes xmlns:a="http://schemas.openxmlformats.org/drawingml/2006/main" xmlns:r="http://schemas.openxmlformats.org/officeDocument/2006/relationships" xmlns:p="http://schemas.openxmlformats.org/presentationml/2006/main">
+  <p:cSld>
+    <p:spTree>
+      <p:nvGrpSpPr>
+        <p:cNvPr id="1" name=""/>
+        <p:cNvGrpSpPr/>
+        <p:nvPr/>
+      </p:nvGrpSpPr>
+      <p:grpSpPr>
+        <a:xfrm>
+          <a:off x="0" y="0"/>
+          <a:ext cx="0" cy="0"/>
+          <a:chOff x="0" y="0"/>
+          <a:chExt cx="0" cy="0"/>
+        </a:xfrm>
+      </p:grpSpPr>
+      <p:sp>
+        <p:nvSpPr>
+          <p:cNvPr id="2" name="投影片影像版面配置區 1"/>
+          <p:cNvSpPr>
+            <a:spLocks noGrp="1" noRot="1" noChangeAspect="1"/>
+          </p:cNvSpPr>
+          <p:nvPr>
+            <p:ph type="sldImg"/>
+          </p:nvPr>
+        </p:nvSpPr>
+        <p:spPr/>
+      </p:sp>
+      <p:sp>
+        <p:nvSpPr>
+          <p:cNvPr id="3" name="備忘稿版面配置區 2"/>
+          <p:cNvSpPr>
+            <a:spLocks noGrp="1"/>
+          </p:cNvSpPr>
+          <p:nvPr>
+            <p:ph type="body" idx="1"/>
+          </p:nvPr>
+        </p:nvSpPr>
+        <p:spPr/>
+        <p:txBody>
+          <a:bodyPr/>
+          <a:lstStyle/>
+          <a:p>
+            <a:r>
+              <a:rPr lang="zh-TW" altLang="zh-TW" sz="1200" b="0" i="0" u="none" strike="noStrike" kern="1200" dirty="0">
+                <a:solidFill>
+                  <a:schemeClr val="tx1"/>
+                </a:solidFill>
+                <a:effectLst/>
+                <a:latin typeface="+mn-lt"/>
+                <a:ea typeface="+mn-ea"/>
+                <a:cs typeface="+mn-cs"/>
+              </a:rPr>
+              <a:t>銀色短髮、穿著黑色外套、黑色牛仔褲、日本動漫風格、年齡大概</a:t>
+            </a:r>
+            <a:r>
+              <a:rPr lang="en-US" altLang="zh-TW" sz="1200" b="0" i="0" u="none" strike="noStrike" kern="1200" dirty="0">
+                <a:solidFill>
+                  <a:schemeClr val="tx1"/>
+                </a:solidFill>
+                <a:effectLst/>
+                <a:latin typeface="+mn-lt"/>
+                <a:ea typeface="+mn-ea"/>
+                <a:cs typeface="+mn-cs"/>
+              </a:rPr>
+              <a:t>20</a:t>
+            </a:r>
+            <a:r>
+              <a:rPr lang="zh-TW" altLang="zh-TW" sz="1200" b="0" i="0" u="none" strike="noStrike" kern="1200" dirty="0">
+                <a:solidFill>
+                  <a:schemeClr val="tx1"/>
+                </a:solidFill>
+                <a:effectLst/>
+                <a:latin typeface="+mn-lt"/>
+                <a:ea typeface="+mn-ea"/>
+                <a:cs typeface="+mn-cs"/>
+              </a:rPr>
+              <a:t>歲左右、要看起來成熟一點、眼睛是淺藍色的、順利從大學畢業了</a:t>
+            </a:r>
+            <a:endParaRPr lang="zh-TW" altLang="en-US" dirty="0"/>
+          </a:p>
+        </p:txBody>
+      </p:sp>
+      <p:sp>
+        <p:nvSpPr>
+          <p:cNvPr id="4" name="投影片編號版面配置區 3"/>
+          <p:cNvSpPr>
+            <a:spLocks noGrp="1"/>
+          </p:cNvSpPr>
+          <p:nvPr>
+            <p:ph type="sldNum" sz="quarter" idx="5"/>
+          </p:nvPr>
+        </p:nvSpPr>
+        <p:spPr/>
+        <p:txBody>
+          <a:bodyPr/>
+          <a:lstStyle/>
+          <a:p>
+            <a:fld id="{EF5510F0-FAF6-4881-AC81-CFE2BC693EB2}" type="slidenum">
+              <a:rPr lang="zh-TW" altLang="en-US" smtClean="0"/>
+              <a:t>8</a:t>
+            </a:fld>
+            <a:endParaRPr lang="zh-TW" altLang="en-US"/>
+          </a:p>
+        </p:txBody>
+      </p:sp>
+    </p:spTree>
+    <p:extLst>
+      <p:ext uri="{BB962C8B-B14F-4D97-AF65-F5344CB8AC3E}">
+        <p14:creationId xmlns:p14="http://schemas.microsoft.com/office/powerpoint/2010/main" val="2633758129"/>
+      </p:ext>
+    </p:extLst>
+  </p:cSld>
+  <p:clrMapOvr>
+    <a:masterClrMapping/>
+  </p:clrMapOvr>
+</p:notes>
 </file>
 
 <file path=ppt/slideLayouts/slideLayout1.xml><?xml version="1.0" encoding="utf-8"?>
@@ -129,7 +1333,7 @@
           <p:cNvPr id="2" name="標題 1">
             <a:extLst>
               <a:ext uri="{FF2B5EF4-FFF2-40B4-BE49-F238E27FC236}">
-                <a16:creationId xmlns:a16="http://schemas.microsoft.com/office/drawing/2014/main" id="{EB5CC918-B447-434E-B98E-5847BB49C259}"/>
+                <a16:creationId xmlns:a16="http://schemas.microsoft.com/office/drawing/2014/main" id="{DD3B54F1-757E-4BD8-9690-5746EDE728B7}"/>
               </a:ext>
             </a:extLst>
           </p:cNvPr>
@@ -166,7 +1370,7 @@
           <p:cNvPr id="3" name="副標題 2">
             <a:extLst>
               <a:ext uri="{FF2B5EF4-FFF2-40B4-BE49-F238E27FC236}">
-                <a16:creationId xmlns:a16="http://schemas.microsoft.com/office/drawing/2014/main" id="{817FCC70-CC4E-4CB6-B2CF-9FDA5AC4D346}"/>
+                <a16:creationId xmlns:a16="http://schemas.microsoft.com/office/drawing/2014/main" id="{EED5EE84-ADE1-40B7-9795-EB299A58A03E}"/>
               </a:ext>
             </a:extLst>
           </p:cNvPr>
@@ -236,7 +1440,7 @@
           <p:cNvPr id="4" name="日期版面配置區 3">
             <a:extLst>
               <a:ext uri="{FF2B5EF4-FFF2-40B4-BE49-F238E27FC236}">
-                <a16:creationId xmlns:a16="http://schemas.microsoft.com/office/drawing/2014/main" id="{BD08F018-0004-4322-AD0F-E6E740964233}"/>
+                <a16:creationId xmlns:a16="http://schemas.microsoft.com/office/drawing/2014/main" id="{4186B308-D396-4A05-ACB5-EDD53BFC5CE4}"/>
               </a:ext>
             </a:extLst>
           </p:cNvPr>
@@ -254,7 +1458,7 @@
           <a:p>
             <a:fld id="{C3C90D7E-32D6-4894-AE08-7BBB3E610FC9}" type="datetimeFigureOut">
               <a:rPr lang="zh-TW" altLang="en-US" smtClean="0"/>
-              <a:t>2024/9/16</a:t>
+              <a:t>2024/10/24</a:t>
             </a:fld>
             <a:endParaRPr lang="zh-TW" altLang="en-US"/>
           </a:p>
@@ -265,7 +1469,7 @@
           <p:cNvPr id="5" name="頁尾版面配置區 4">
             <a:extLst>
               <a:ext uri="{FF2B5EF4-FFF2-40B4-BE49-F238E27FC236}">
-                <a16:creationId xmlns:a16="http://schemas.microsoft.com/office/drawing/2014/main" id="{30427B34-CB13-41C7-B2F2-CED9BDC5B595}"/>
+                <a16:creationId xmlns:a16="http://schemas.microsoft.com/office/drawing/2014/main" id="{CC29AC5E-B26E-4904-B090-E9FF2D8FA490}"/>
               </a:ext>
             </a:extLst>
           </p:cNvPr>
@@ -290,7 +1494,7 @@
           <p:cNvPr id="6" name="投影片編號版面配置區 5">
             <a:extLst>
               <a:ext uri="{FF2B5EF4-FFF2-40B4-BE49-F238E27FC236}">
-                <a16:creationId xmlns:a16="http://schemas.microsoft.com/office/drawing/2014/main" id="{76FA962E-5B03-439A-928C-87366876542D}"/>
+                <a16:creationId xmlns:a16="http://schemas.microsoft.com/office/drawing/2014/main" id="{70046459-B1F0-4ED6-A934-B45EF861EB3E}"/>
               </a:ext>
             </a:extLst>
           </p:cNvPr>
@@ -317,7 +1521,7 @@
     </p:spTree>
     <p:extLst>
       <p:ext uri="{BB962C8B-B14F-4D97-AF65-F5344CB8AC3E}">
-        <p14:creationId xmlns:p14="http://schemas.microsoft.com/office/powerpoint/2010/main" val="2963035110"/>
+        <p14:creationId xmlns:p14="http://schemas.microsoft.com/office/powerpoint/2010/main" val="1509408336"/>
       </p:ext>
     </p:extLst>
   </p:cSld>
@@ -349,7 +1553,7 @@
           <p:cNvPr id="2" name="標題 1">
             <a:extLst>
               <a:ext uri="{FF2B5EF4-FFF2-40B4-BE49-F238E27FC236}">
-                <a16:creationId xmlns:a16="http://schemas.microsoft.com/office/drawing/2014/main" id="{A02F0018-7F8E-4206-A929-07CDC6B5F34A}"/>
+                <a16:creationId xmlns:a16="http://schemas.microsoft.com/office/drawing/2014/main" id="{86989A3F-F98B-495B-8786-110D04F6198B}"/>
               </a:ext>
             </a:extLst>
           </p:cNvPr>
@@ -377,7 +1581,7 @@
           <p:cNvPr id="3" name="直排文字版面配置區 2">
             <a:extLst>
               <a:ext uri="{FF2B5EF4-FFF2-40B4-BE49-F238E27FC236}">
-                <a16:creationId xmlns:a16="http://schemas.microsoft.com/office/drawing/2014/main" id="{9B801E88-34C3-4545-A358-81F5614FED64}"/>
+                <a16:creationId xmlns:a16="http://schemas.microsoft.com/office/drawing/2014/main" id="{29DC6013-1893-45BB-A709-77D0781AF540}"/>
               </a:ext>
             </a:extLst>
           </p:cNvPr>
@@ -396,7 +1600,7 @@
             <a:pPr lvl="0"/>
             <a:r>
               <a:rPr lang="zh-TW" altLang="en-US"/>
-              <a:t>按一下以編輯母片文字樣式</a:t>
+              <a:t>編輯母片文字樣式</a:t>
             </a:r>
           </a:p>
           <a:p>
@@ -434,7 +1638,7 @@
           <p:cNvPr id="4" name="日期版面配置區 3">
             <a:extLst>
               <a:ext uri="{FF2B5EF4-FFF2-40B4-BE49-F238E27FC236}">
-                <a16:creationId xmlns:a16="http://schemas.microsoft.com/office/drawing/2014/main" id="{60AFD716-8B99-4230-B55F-C8B88ECBB171}"/>
+                <a16:creationId xmlns:a16="http://schemas.microsoft.com/office/drawing/2014/main" id="{0AD8DCB7-A44F-4FE1-90A7-B4985C2B3BF1}"/>
               </a:ext>
             </a:extLst>
           </p:cNvPr>
@@ -452,7 +1656,7 @@
           <a:p>
             <a:fld id="{C3C90D7E-32D6-4894-AE08-7BBB3E610FC9}" type="datetimeFigureOut">
               <a:rPr lang="zh-TW" altLang="en-US" smtClean="0"/>
-              <a:t>2024/9/16</a:t>
+              <a:t>2024/10/24</a:t>
             </a:fld>
             <a:endParaRPr lang="zh-TW" altLang="en-US"/>
           </a:p>
@@ -463,7 +1667,7 @@
           <p:cNvPr id="5" name="頁尾版面配置區 4">
             <a:extLst>
               <a:ext uri="{FF2B5EF4-FFF2-40B4-BE49-F238E27FC236}">
-                <a16:creationId xmlns:a16="http://schemas.microsoft.com/office/drawing/2014/main" id="{EA374743-76D9-4BF8-A60C-2F50B2636A8A}"/>
+                <a16:creationId xmlns:a16="http://schemas.microsoft.com/office/drawing/2014/main" id="{A7492CC4-EB54-4F35-B4F9-F5A2A6F9EAF2}"/>
               </a:ext>
             </a:extLst>
           </p:cNvPr>
@@ -488,7 +1692,7 @@
           <p:cNvPr id="6" name="投影片編號版面配置區 5">
             <a:extLst>
               <a:ext uri="{FF2B5EF4-FFF2-40B4-BE49-F238E27FC236}">
-                <a16:creationId xmlns:a16="http://schemas.microsoft.com/office/drawing/2014/main" id="{00454594-6C11-4013-A666-A151E960EC9B}"/>
+                <a16:creationId xmlns:a16="http://schemas.microsoft.com/office/drawing/2014/main" id="{AC1BFC9F-3B04-4E38-A184-E782B815BA61}"/>
               </a:ext>
             </a:extLst>
           </p:cNvPr>
@@ -515,7 +1719,7 @@
     </p:spTree>
     <p:extLst>
       <p:ext uri="{BB962C8B-B14F-4D97-AF65-F5344CB8AC3E}">
-        <p14:creationId xmlns:p14="http://schemas.microsoft.com/office/powerpoint/2010/main" val="188953001"/>
+        <p14:creationId xmlns:p14="http://schemas.microsoft.com/office/powerpoint/2010/main" val="3550952345"/>
       </p:ext>
     </p:extLst>
   </p:cSld>
@@ -547,7 +1751,7 @@
           <p:cNvPr id="2" name="直排標題 1">
             <a:extLst>
               <a:ext uri="{FF2B5EF4-FFF2-40B4-BE49-F238E27FC236}">
-                <a16:creationId xmlns:a16="http://schemas.microsoft.com/office/drawing/2014/main" id="{70F760AC-E708-4605-85E2-7D0F424B3E29}"/>
+                <a16:creationId xmlns:a16="http://schemas.microsoft.com/office/drawing/2014/main" id="{39A0E35B-2E0D-45F0-8FA7-3994C569B38F}"/>
               </a:ext>
             </a:extLst>
           </p:cNvPr>
@@ -580,7 +1784,7 @@
           <p:cNvPr id="3" name="直排文字版面配置區 2">
             <a:extLst>
               <a:ext uri="{FF2B5EF4-FFF2-40B4-BE49-F238E27FC236}">
-                <a16:creationId xmlns:a16="http://schemas.microsoft.com/office/drawing/2014/main" id="{84BECF48-F3B6-4D47-82A8-C6AE92EDC2F0}"/>
+                <a16:creationId xmlns:a16="http://schemas.microsoft.com/office/drawing/2014/main" id="{4936B189-46CA-4E8D-9652-4E79BF3CB6E1}"/>
               </a:ext>
             </a:extLst>
           </p:cNvPr>
@@ -604,7 +1808,7 @@
             <a:pPr lvl="0"/>
             <a:r>
               <a:rPr lang="zh-TW" altLang="en-US"/>
-              <a:t>按一下以編輯母片文字樣式</a:t>
+              <a:t>編輯母片文字樣式</a:t>
             </a:r>
           </a:p>
           <a:p>
@@ -642,7 +1846,7 @@
           <p:cNvPr id="4" name="日期版面配置區 3">
             <a:extLst>
               <a:ext uri="{FF2B5EF4-FFF2-40B4-BE49-F238E27FC236}">
-                <a16:creationId xmlns:a16="http://schemas.microsoft.com/office/drawing/2014/main" id="{215DE52A-093E-4116-A2FE-F61BA999B89F}"/>
+                <a16:creationId xmlns:a16="http://schemas.microsoft.com/office/drawing/2014/main" id="{83E456A8-5D7F-44C7-A327-96A061AC287B}"/>
               </a:ext>
             </a:extLst>
           </p:cNvPr>
@@ -660,7 +1864,7 @@
           <a:p>
             <a:fld id="{C3C90D7E-32D6-4894-AE08-7BBB3E610FC9}" type="datetimeFigureOut">
               <a:rPr lang="zh-TW" altLang="en-US" smtClean="0"/>
-              <a:t>2024/9/16</a:t>
+              <a:t>2024/10/24</a:t>
             </a:fld>
             <a:endParaRPr lang="zh-TW" altLang="en-US"/>
           </a:p>
@@ -671,7 +1875,7 @@
           <p:cNvPr id="5" name="頁尾版面配置區 4">
             <a:extLst>
               <a:ext uri="{FF2B5EF4-FFF2-40B4-BE49-F238E27FC236}">
-                <a16:creationId xmlns:a16="http://schemas.microsoft.com/office/drawing/2014/main" id="{34553FE1-A5D9-4070-AA9C-378F491D4677}"/>
+                <a16:creationId xmlns:a16="http://schemas.microsoft.com/office/drawing/2014/main" id="{DDA3B7DE-A31E-40CE-827C-F269AB355762}"/>
               </a:ext>
             </a:extLst>
           </p:cNvPr>
@@ -696,7 +1900,7 @@
           <p:cNvPr id="6" name="投影片編號版面配置區 5">
             <a:extLst>
               <a:ext uri="{FF2B5EF4-FFF2-40B4-BE49-F238E27FC236}">
-                <a16:creationId xmlns:a16="http://schemas.microsoft.com/office/drawing/2014/main" id="{928EFDDC-5B11-4543-8144-518625EDA57F}"/>
+                <a16:creationId xmlns:a16="http://schemas.microsoft.com/office/drawing/2014/main" id="{25A6A6EA-1FC0-4D24-A229-62B9C3F873A0}"/>
               </a:ext>
             </a:extLst>
           </p:cNvPr>
@@ -723,7 +1927,7 @@
     </p:spTree>
     <p:extLst>
       <p:ext uri="{BB962C8B-B14F-4D97-AF65-F5344CB8AC3E}">
-        <p14:creationId xmlns:p14="http://schemas.microsoft.com/office/powerpoint/2010/main" val="2483123943"/>
+        <p14:creationId xmlns:p14="http://schemas.microsoft.com/office/powerpoint/2010/main" val="2125167920"/>
       </p:ext>
     </p:extLst>
   </p:cSld>
@@ -755,7 +1959,7 @@
           <p:cNvPr id="2" name="標題 1">
             <a:extLst>
               <a:ext uri="{FF2B5EF4-FFF2-40B4-BE49-F238E27FC236}">
-                <a16:creationId xmlns:a16="http://schemas.microsoft.com/office/drawing/2014/main" id="{A1BFCF4C-FB58-444C-B754-A594851E4C7B}"/>
+                <a16:creationId xmlns:a16="http://schemas.microsoft.com/office/drawing/2014/main" id="{9023BFF3-2055-4738-8234-B3EC22AA3E7E}"/>
               </a:ext>
             </a:extLst>
           </p:cNvPr>
@@ -783,7 +1987,7 @@
           <p:cNvPr id="3" name="內容版面配置區 2">
             <a:extLst>
               <a:ext uri="{FF2B5EF4-FFF2-40B4-BE49-F238E27FC236}">
-                <a16:creationId xmlns:a16="http://schemas.microsoft.com/office/drawing/2014/main" id="{987C475D-648F-4511-A6FE-04B04F755F93}"/>
+                <a16:creationId xmlns:a16="http://schemas.microsoft.com/office/drawing/2014/main" id="{D09BE82E-782B-4CA4-96C5-E75C52A6D2E6}"/>
               </a:ext>
             </a:extLst>
           </p:cNvPr>
@@ -802,7 +2006,7 @@
             <a:pPr lvl="0"/>
             <a:r>
               <a:rPr lang="zh-TW" altLang="en-US"/>
-              <a:t>按一下以編輯母片文字樣式</a:t>
+              <a:t>編輯母片文字樣式</a:t>
             </a:r>
           </a:p>
           <a:p>
@@ -840,7 +2044,7 @@
           <p:cNvPr id="4" name="日期版面配置區 3">
             <a:extLst>
               <a:ext uri="{FF2B5EF4-FFF2-40B4-BE49-F238E27FC236}">
-                <a16:creationId xmlns:a16="http://schemas.microsoft.com/office/drawing/2014/main" id="{F511FCF8-D8F7-4914-920F-D63F2D97F713}"/>
+                <a16:creationId xmlns:a16="http://schemas.microsoft.com/office/drawing/2014/main" id="{0E1EF597-389D-41EB-9905-3949AD399136}"/>
               </a:ext>
             </a:extLst>
           </p:cNvPr>
@@ -858,7 +2062,7 @@
           <a:p>
             <a:fld id="{C3C90D7E-32D6-4894-AE08-7BBB3E610FC9}" type="datetimeFigureOut">
               <a:rPr lang="zh-TW" altLang="en-US" smtClean="0"/>
-              <a:t>2024/9/16</a:t>
+              <a:t>2024/10/24</a:t>
             </a:fld>
             <a:endParaRPr lang="zh-TW" altLang="en-US"/>
           </a:p>
@@ -869,7 +2073,7 @@
           <p:cNvPr id="5" name="頁尾版面配置區 4">
             <a:extLst>
               <a:ext uri="{FF2B5EF4-FFF2-40B4-BE49-F238E27FC236}">
-                <a16:creationId xmlns:a16="http://schemas.microsoft.com/office/drawing/2014/main" id="{7E1D3E8F-338D-4B4D-B411-5282866FF95D}"/>
+                <a16:creationId xmlns:a16="http://schemas.microsoft.com/office/drawing/2014/main" id="{5CF075AC-A2E7-46C6-9914-27C281403076}"/>
               </a:ext>
             </a:extLst>
           </p:cNvPr>
@@ -894,7 +2098,7 @@
           <p:cNvPr id="6" name="投影片編號版面配置區 5">
             <a:extLst>
               <a:ext uri="{FF2B5EF4-FFF2-40B4-BE49-F238E27FC236}">
-                <a16:creationId xmlns:a16="http://schemas.microsoft.com/office/drawing/2014/main" id="{F7DF3AD5-06B6-42D8-AEDF-66CCE6582524}"/>
+                <a16:creationId xmlns:a16="http://schemas.microsoft.com/office/drawing/2014/main" id="{D4F63B63-8BDB-4C35-BF81-A5696031F37D}"/>
               </a:ext>
             </a:extLst>
           </p:cNvPr>
@@ -921,7 +2125,7 @@
     </p:spTree>
     <p:extLst>
       <p:ext uri="{BB962C8B-B14F-4D97-AF65-F5344CB8AC3E}">
-        <p14:creationId xmlns:p14="http://schemas.microsoft.com/office/powerpoint/2010/main" val="4198509733"/>
+        <p14:creationId xmlns:p14="http://schemas.microsoft.com/office/powerpoint/2010/main" val="2319751390"/>
       </p:ext>
     </p:extLst>
   </p:cSld>
@@ -953,7 +2157,7 @@
           <p:cNvPr id="2" name="標題 1">
             <a:extLst>
               <a:ext uri="{FF2B5EF4-FFF2-40B4-BE49-F238E27FC236}">
-                <a16:creationId xmlns:a16="http://schemas.microsoft.com/office/drawing/2014/main" id="{5986B870-2B24-4658-9AEB-3C92E8E40B41}"/>
+                <a16:creationId xmlns:a16="http://schemas.microsoft.com/office/drawing/2014/main" id="{52E096C5-71F0-413E-8E49-9B98205C019B}"/>
               </a:ext>
             </a:extLst>
           </p:cNvPr>
@@ -990,7 +2194,7 @@
           <p:cNvPr id="3" name="文字版面配置區 2">
             <a:extLst>
               <a:ext uri="{FF2B5EF4-FFF2-40B4-BE49-F238E27FC236}">
-                <a16:creationId xmlns:a16="http://schemas.microsoft.com/office/drawing/2014/main" id="{90235018-E757-4630-8511-F466B919268F}"/>
+                <a16:creationId xmlns:a16="http://schemas.microsoft.com/office/drawing/2014/main" id="{95E9C247-84A5-4BAF-813D-5F78D53374BF}"/>
               </a:ext>
             </a:extLst>
           </p:cNvPr>
@@ -1105,7 +2309,7 @@
             <a:pPr lvl="0"/>
             <a:r>
               <a:rPr lang="zh-TW" altLang="en-US"/>
-              <a:t>按一下以編輯母片文字樣式</a:t>
+              <a:t>編輯母片文字樣式</a:t>
             </a:r>
           </a:p>
         </p:txBody>
@@ -1115,7 +2319,7 @@
           <p:cNvPr id="4" name="日期版面配置區 3">
             <a:extLst>
               <a:ext uri="{FF2B5EF4-FFF2-40B4-BE49-F238E27FC236}">
-                <a16:creationId xmlns:a16="http://schemas.microsoft.com/office/drawing/2014/main" id="{37546C76-CF19-433D-9070-0A54A149F1B2}"/>
+                <a16:creationId xmlns:a16="http://schemas.microsoft.com/office/drawing/2014/main" id="{78285773-DF99-429E-9796-97D23B467FD8}"/>
               </a:ext>
             </a:extLst>
           </p:cNvPr>
@@ -1133,7 +2337,7 @@
           <a:p>
             <a:fld id="{C3C90D7E-32D6-4894-AE08-7BBB3E610FC9}" type="datetimeFigureOut">
               <a:rPr lang="zh-TW" altLang="en-US" smtClean="0"/>
-              <a:t>2024/9/16</a:t>
+              <a:t>2024/10/24</a:t>
             </a:fld>
             <a:endParaRPr lang="zh-TW" altLang="en-US"/>
           </a:p>
@@ -1144,7 +2348,7 @@
           <p:cNvPr id="5" name="頁尾版面配置區 4">
             <a:extLst>
               <a:ext uri="{FF2B5EF4-FFF2-40B4-BE49-F238E27FC236}">
-                <a16:creationId xmlns:a16="http://schemas.microsoft.com/office/drawing/2014/main" id="{9C9DC25F-827C-4564-AD0E-7FD815D53AF7}"/>
+                <a16:creationId xmlns:a16="http://schemas.microsoft.com/office/drawing/2014/main" id="{14C77AE7-BD06-43B4-A889-4A919B2BC023}"/>
               </a:ext>
             </a:extLst>
           </p:cNvPr>
@@ -1169,7 +2373,7 @@
           <p:cNvPr id="6" name="投影片編號版面配置區 5">
             <a:extLst>
               <a:ext uri="{FF2B5EF4-FFF2-40B4-BE49-F238E27FC236}">
-                <a16:creationId xmlns:a16="http://schemas.microsoft.com/office/drawing/2014/main" id="{8C0653A6-68AA-4213-8D62-EAF9243D6998}"/>
+                <a16:creationId xmlns:a16="http://schemas.microsoft.com/office/drawing/2014/main" id="{7841026E-21FA-484B-A915-B76F58422D62}"/>
               </a:ext>
             </a:extLst>
           </p:cNvPr>
@@ -1196,7 +2400,7 @@
     </p:spTree>
     <p:extLst>
       <p:ext uri="{BB962C8B-B14F-4D97-AF65-F5344CB8AC3E}">
-        <p14:creationId xmlns:p14="http://schemas.microsoft.com/office/powerpoint/2010/main" val="3126775509"/>
+        <p14:creationId xmlns:p14="http://schemas.microsoft.com/office/powerpoint/2010/main" val="1401577699"/>
       </p:ext>
     </p:extLst>
   </p:cSld>
@@ -1228,7 +2432,7 @@
           <p:cNvPr id="2" name="標題 1">
             <a:extLst>
               <a:ext uri="{FF2B5EF4-FFF2-40B4-BE49-F238E27FC236}">
-                <a16:creationId xmlns:a16="http://schemas.microsoft.com/office/drawing/2014/main" id="{F8A74D77-9E6E-4FD1-97AD-0ADC1228B6AF}"/>
+                <a16:creationId xmlns:a16="http://schemas.microsoft.com/office/drawing/2014/main" id="{754AC6F1-436C-48EB-8344-9F6C41C7C1EC}"/>
               </a:ext>
             </a:extLst>
           </p:cNvPr>
@@ -1256,7 +2460,7 @@
           <p:cNvPr id="3" name="內容版面配置區 2">
             <a:extLst>
               <a:ext uri="{FF2B5EF4-FFF2-40B4-BE49-F238E27FC236}">
-                <a16:creationId xmlns:a16="http://schemas.microsoft.com/office/drawing/2014/main" id="{9FDE4E9B-689C-4373-B281-9636BE211982}"/>
+                <a16:creationId xmlns:a16="http://schemas.microsoft.com/office/drawing/2014/main" id="{1ECB7D17-8C01-42D3-BB41-97A8790286B9}"/>
               </a:ext>
             </a:extLst>
           </p:cNvPr>
@@ -1280,7 +2484,7 @@
             <a:pPr lvl="0"/>
             <a:r>
               <a:rPr lang="zh-TW" altLang="en-US"/>
-              <a:t>按一下以編輯母片文字樣式</a:t>
+              <a:t>編輯母片文字樣式</a:t>
             </a:r>
           </a:p>
           <a:p>
@@ -1318,7 +2522,7 @@
           <p:cNvPr id="4" name="內容版面配置區 3">
             <a:extLst>
               <a:ext uri="{FF2B5EF4-FFF2-40B4-BE49-F238E27FC236}">
-                <a16:creationId xmlns:a16="http://schemas.microsoft.com/office/drawing/2014/main" id="{CD25EC10-0BDA-4ECA-AB8E-059AC3378E22}"/>
+                <a16:creationId xmlns:a16="http://schemas.microsoft.com/office/drawing/2014/main" id="{12C8BF12-EBBC-488B-903A-88E0E516A1E1}"/>
               </a:ext>
             </a:extLst>
           </p:cNvPr>
@@ -1342,7 +2546,7 @@
             <a:pPr lvl="0"/>
             <a:r>
               <a:rPr lang="zh-TW" altLang="en-US"/>
-              <a:t>按一下以編輯母片文字樣式</a:t>
+              <a:t>編輯母片文字樣式</a:t>
             </a:r>
           </a:p>
           <a:p>
@@ -1380,7 +2584,7 @@
           <p:cNvPr id="5" name="日期版面配置區 4">
             <a:extLst>
               <a:ext uri="{FF2B5EF4-FFF2-40B4-BE49-F238E27FC236}">
-                <a16:creationId xmlns:a16="http://schemas.microsoft.com/office/drawing/2014/main" id="{63DAF127-0983-4C38-869C-C0A513FA9147}"/>
+                <a16:creationId xmlns:a16="http://schemas.microsoft.com/office/drawing/2014/main" id="{7A9F803E-BB23-4ADD-BA23-DA615A67791D}"/>
               </a:ext>
             </a:extLst>
           </p:cNvPr>
@@ -1398,7 +2602,7 @@
           <a:p>
             <a:fld id="{C3C90D7E-32D6-4894-AE08-7BBB3E610FC9}" type="datetimeFigureOut">
               <a:rPr lang="zh-TW" altLang="en-US" smtClean="0"/>
-              <a:t>2024/9/16</a:t>
+              <a:t>2024/10/24</a:t>
             </a:fld>
             <a:endParaRPr lang="zh-TW" altLang="en-US"/>
           </a:p>
@@ -1409,7 +2613,7 @@
           <p:cNvPr id="6" name="頁尾版面配置區 5">
             <a:extLst>
               <a:ext uri="{FF2B5EF4-FFF2-40B4-BE49-F238E27FC236}">
-                <a16:creationId xmlns:a16="http://schemas.microsoft.com/office/drawing/2014/main" id="{E014CBA6-CCE3-4CF4-8E13-D895EDBD8F25}"/>
+                <a16:creationId xmlns:a16="http://schemas.microsoft.com/office/drawing/2014/main" id="{72405A93-6122-4733-858C-1D7771914A64}"/>
               </a:ext>
             </a:extLst>
           </p:cNvPr>
@@ -1434,7 +2638,7 @@
           <p:cNvPr id="7" name="投影片編號版面配置區 6">
             <a:extLst>
               <a:ext uri="{FF2B5EF4-FFF2-40B4-BE49-F238E27FC236}">
-                <a16:creationId xmlns:a16="http://schemas.microsoft.com/office/drawing/2014/main" id="{5CEAA8E5-79B3-445E-B8C3-29BD56CE6D7A}"/>
+                <a16:creationId xmlns:a16="http://schemas.microsoft.com/office/drawing/2014/main" id="{D12730CC-CB8A-41F3-AD98-243D57C18CEA}"/>
               </a:ext>
             </a:extLst>
           </p:cNvPr>
@@ -1461,7 +2665,7 @@
     </p:spTree>
     <p:extLst>
       <p:ext uri="{BB962C8B-B14F-4D97-AF65-F5344CB8AC3E}">
-        <p14:creationId xmlns:p14="http://schemas.microsoft.com/office/powerpoint/2010/main" val="3858213488"/>
+        <p14:creationId xmlns:p14="http://schemas.microsoft.com/office/powerpoint/2010/main" val="2267843611"/>
       </p:ext>
     </p:extLst>
   </p:cSld>
@@ -1493,7 +2697,7 @@
           <p:cNvPr id="2" name="標題 1">
             <a:extLst>
               <a:ext uri="{FF2B5EF4-FFF2-40B4-BE49-F238E27FC236}">
-                <a16:creationId xmlns:a16="http://schemas.microsoft.com/office/drawing/2014/main" id="{A00F76B6-8DEC-4A74-A06A-BA0146321CD8}"/>
+                <a16:creationId xmlns:a16="http://schemas.microsoft.com/office/drawing/2014/main" id="{75178372-8A5B-4C65-A9E5-BED0FB8BD8AA}"/>
               </a:ext>
             </a:extLst>
           </p:cNvPr>
@@ -1526,7 +2730,7 @@
           <p:cNvPr id="3" name="文字版面配置區 2">
             <a:extLst>
               <a:ext uri="{FF2B5EF4-FFF2-40B4-BE49-F238E27FC236}">
-                <a16:creationId xmlns:a16="http://schemas.microsoft.com/office/drawing/2014/main" id="{EF00F5C5-99A7-4F16-855A-F170362659F7}"/>
+                <a16:creationId xmlns:a16="http://schemas.microsoft.com/office/drawing/2014/main" id="{5CB8871E-25D7-4361-BF5F-DAF1256D1E83}"/>
               </a:ext>
             </a:extLst>
           </p:cNvPr>
@@ -1587,7 +2791,7 @@
             <a:pPr lvl="0"/>
             <a:r>
               <a:rPr lang="zh-TW" altLang="en-US"/>
-              <a:t>按一下以編輯母片文字樣式</a:t>
+              <a:t>編輯母片文字樣式</a:t>
             </a:r>
           </a:p>
         </p:txBody>
@@ -1597,7 +2801,7 @@
           <p:cNvPr id="4" name="內容版面配置區 3">
             <a:extLst>
               <a:ext uri="{FF2B5EF4-FFF2-40B4-BE49-F238E27FC236}">
-                <a16:creationId xmlns:a16="http://schemas.microsoft.com/office/drawing/2014/main" id="{6722BEB2-C9B4-4C14-8234-D17E84349984}"/>
+                <a16:creationId xmlns:a16="http://schemas.microsoft.com/office/drawing/2014/main" id="{3F7EED39-849F-4282-AAD1-0D2E1BC17D0C}"/>
               </a:ext>
             </a:extLst>
           </p:cNvPr>
@@ -1621,7 +2825,7 @@
             <a:pPr lvl="0"/>
             <a:r>
               <a:rPr lang="zh-TW" altLang="en-US"/>
-              <a:t>按一下以編輯母片文字樣式</a:t>
+              <a:t>編輯母片文字樣式</a:t>
             </a:r>
           </a:p>
           <a:p>
@@ -1659,7 +2863,7 @@
           <p:cNvPr id="5" name="文字版面配置區 4">
             <a:extLst>
               <a:ext uri="{FF2B5EF4-FFF2-40B4-BE49-F238E27FC236}">
-                <a16:creationId xmlns:a16="http://schemas.microsoft.com/office/drawing/2014/main" id="{E4A41162-A0AC-4211-940F-4B92208F9B0E}"/>
+                <a16:creationId xmlns:a16="http://schemas.microsoft.com/office/drawing/2014/main" id="{FCBE8E1B-A116-4B17-9CEC-2FB28634EC8D}"/>
               </a:ext>
             </a:extLst>
           </p:cNvPr>
@@ -1720,7 +2924,7 @@
             <a:pPr lvl="0"/>
             <a:r>
               <a:rPr lang="zh-TW" altLang="en-US"/>
-              <a:t>按一下以編輯母片文字樣式</a:t>
+              <a:t>編輯母片文字樣式</a:t>
             </a:r>
           </a:p>
         </p:txBody>
@@ -1730,7 +2934,7 @@
           <p:cNvPr id="6" name="內容版面配置區 5">
             <a:extLst>
               <a:ext uri="{FF2B5EF4-FFF2-40B4-BE49-F238E27FC236}">
-                <a16:creationId xmlns:a16="http://schemas.microsoft.com/office/drawing/2014/main" id="{E8EA159A-F9D7-4F58-A7C3-6E5B65E42266}"/>
+                <a16:creationId xmlns:a16="http://schemas.microsoft.com/office/drawing/2014/main" id="{88FAEDC4-7D6A-4533-8FBB-265CADA5C401}"/>
               </a:ext>
             </a:extLst>
           </p:cNvPr>
@@ -1754,7 +2958,7 @@
             <a:pPr lvl="0"/>
             <a:r>
               <a:rPr lang="zh-TW" altLang="en-US"/>
-              <a:t>按一下以編輯母片文字樣式</a:t>
+              <a:t>編輯母片文字樣式</a:t>
             </a:r>
           </a:p>
           <a:p>
@@ -1792,7 +2996,7 @@
           <p:cNvPr id="7" name="日期版面配置區 6">
             <a:extLst>
               <a:ext uri="{FF2B5EF4-FFF2-40B4-BE49-F238E27FC236}">
-                <a16:creationId xmlns:a16="http://schemas.microsoft.com/office/drawing/2014/main" id="{AE973E80-9141-48B7-A9D7-605A4541768F}"/>
+                <a16:creationId xmlns:a16="http://schemas.microsoft.com/office/drawing/2014/main" id="{C40A7145-9FB3-4C49-B4AE-82232AE297B7}"/>
               </a:ext>
             </a:extLst>
           </p:cNvPr>
@@ -1810,7 +3014,7 @@
           <a:p>
             <a:fld id="{C3C90D7E-32D6-4894-AE08-7BBB3E610FC9}" type="datetimeFigureOut">
               <a:rPr lang="zh-TW" altLang="en-US" smtClean="0"/>
-              <a:t>2024/9/16</a:t>
+              <a:t>2024/10/24</a:t>
             </a:fld>
             <a:endParaRPr lang="zh-TW" altLang="en-US"/>
           </a:p>
@@ -1821,7 +3025,7 @@
           <p:cNvPr id="8" name="頁尾版面配置區 7">
             <a:extLst>
               <a:ext uri="{FF2B5EF4-FFF2-40B4-BE49-F238E27FC236}">
-                <a16:creationId xmlns:a16="http://schemas.microsoft.com/office/drawing/2014/main" id="{6520B07A-79F8-43E7-8013-632DD2AED223}"/>
+                <a16:creationId xmlns:a16="http://schemas.microsoft.com/office/drawing/2014/main" id="{CBD15D88-ECBC-4A6C-840F-51F51C76FDF3}"/>
               </a:ext>
             </a:extLst>
           </p:cNvPr>
@@ -1846,7 +3050,7 @@
           <p:cNvPr id="9" name="投影片編號版面配置區 8">
             <a:extLst>
               <a:ext uri="{FF2B5EF4-FFF2-40B4-BE49-F238E27FC236}">
-                <a16:creationId xmlns:a16="http://schemas.microsoft.com/office/drawing/2014/main" id="{3B997D8F-4F1C-4DE6-A82C-3E0C38ACAE96}"/>
+                <a16:creationId xmlns:a16="http://schemas.microsoft.com/office/drawing/2014/main" id="{48C6C5B6-044A-4F52-9104-9594BD5AD59C}"/>
               </a:ext>
             </a:extLst>
           </p:cNvPr>
@@ -1873,7 +3077,7 @@
     </p:spTree>
     <p:extLst>
       <p:ext uri="{BB962C8B-B14F-4D97-AF65-F5344CB8AC3E}">
-        <p14:creationId xmlns:p14="http://schemas.microsoft.com/office/powerpoint/2010/main" val="3379995638"/>
+        <p14:creationId xmlns:p14="http://schemas.microsoft.com/office/powerpoint/2010/main" val="4270972450"/>
       </p:ext>
     </p:extLst>
   </p:cSld>
@@ -1905,7 +3109,7 @@
           <p:cNvPr id="2" name="標題 1">
             <a:extLst>
               <a:ext uri="{FF2B5EF4-FFF2-40B4-BE49-F238E27FC236}">
-                <a16:creationId xmlns:a16="http://schemas.microsoft.com/office/drawing/2014/main" id="{6CE04611-FD10-429D-89AA-73C259B64293}"/>
+                <a16:creationId xmlns:a16="http://schemas.microsoft.com/office/drawing/2014/main" id="{BDB1D18B-A353-4887-A295-49B7C99B8991}"/>
               </a:ext>
             </a:extLst>
           </p:cNvPr>
@@ -1933,7 +3137,7 @@
           <p:cNvPr id="3" name="日期版面配置區 2">
             <a:extLst>
               <a:ext uri="{FF2B5EF4-FFF2-40B4-BE49-F238E27FC236}">
-                <a16:creationId xmlns:a16="http://schemas.microsoft.com/office/drawing/2014/main" id="{2D9009F3-A280-4DA8-ACC4-187DE2172BCA}"/>
+                <a16:creationId xmlns:a16="http://schemas.microsoft.com/office/drawing/2014/main" id="{F3FD1DF8-05EA-43AF-BE5A-75B1FA729802}"/>
               </a:ext>
             </a:extLst>
           </p:cNvPr>
@@ -1951,7 +3155,7 @@
           <a:p>
             <a:fld id="{C3C90D7E-32D6-4894-AE08-7BBB3E610FC9}" type="datetimeFigureOut">
               <a:rPr lang="zh-TW" altLang="en-US" smtClean="0"/>
-              <a:t>2024/9/16</a:t>
+              <a:t>2024/10/24</a:t>
             </a:fld>
             <a:endParaRPr lang="zh-TW" altLang="en-US"/>
           </a:p>
@@ -1962,7 +3166,7 @@
           <p:cNvPr id="4" name="頁尾版面配置區 3">
             <a:extLst>
               <a:ext uri="{FF2B5EF4-FFF2-40B4-BE49-F238E27FC236}">
-                <a16:creationId xmlns:a16="http://schemas.microsoft.com/office/drawing/2014/main" id="{F8FD791E-F627-4DDB-AD69-F7639FDD1767}"/>
+                <a16:creationId xmlns:a16="http://schemas.microsoft.com/office/drawing/2014/main" id="{F82DB5FB-C404-4AC5-91CF-79BCC49461D9}"/>
               </a:ext>
             </a:extLst>
           </p:cNvPr>
@@ -1987,7 +3191,7 @@
           <p:cNvPr id="5" name="投影片編號版面配置區 4">
             <a:extLst>
               <a:ext uri="{FF2B5EF4-FFF2-40B4-BE49-F238E27FC236}">
-                <a16:creationId xmlns:a16="http://schemas.microsoft.com/office/drawing/2014/main" id="{CE9C3C73-9A1B-4A20-B40C-BF8E0726E9AE}"/>
+                <a16:creationId xmlns:a16="http://schemas.microsoft.com/office/drawing/2014/main" id="{AE88E352-43AF-4D00-B7F7-C5D02EAB38AA}"/>
               </a:ext>
             </a:extLst>
           </p:cNvPr>
@@ -2014,7 +3218,7 @@
     </p:spTree>
     <p:extLst>
       <p:ext uri="{BB962C8B-B14F-4D97-AF65-F5344CB8AC3E}">
-        <p14:creationId xmlns:p14="http://schemas.microsoft.com/office/powerpoint/2010/main" val="3116621787"/>
+        <p14:creationId xmlns:p14="http://schemas.microsoft.com/office/powerpoint/2010/main" val="2219773043"/>
       </p:ext>
     </p:extLst>
   </p:cSld>
@@ -2046,7 +3250,7 @@
           <p:cNvPr id="2" name="日期版面配置區 1">
             <a:extLst>
               <a:ext uri="{FF2B5EF4-FFF2-40B4-BE49-F238E27FC236}">
-                <a16:creationId xmlns:a16="http://schemas.microsoft.com/office/drawing/2014/main" id="{1E1D8EED-F2A7-4221-9887-0DBB62EB3F80}"/>
+                <a16:creationId xmlns:a16="http://schemas.microsoft.com/office/drawing/2014/main" id="{DA4CEFDE-F3F8-4933-8FA0-50F4D52452CD}"/>
               </a:ext>
             </a:extLst>
           </p:cNvPr>
@@ -2064,7 +3268,7 @@
           <a:p>
             <a:fld id="{C3C90D7E-32D6-4894-AE08-7BBB3E610FC9}" type="datetimeFigureOut">
               <a:rPr lang="zh-TW" altLang="en-US" smtClean="0"/>
-              <a:t>2024/9/16</a:t>
+              <a:t>2024/10/24</a:t>
             </a:fld>
             <a:endParaRPr lang="zh-TW" altLang="en-US"/>
           </a:p>
@@ -2075,7 +3279,7 @@
           <p:cNvPr id="3" name="頁尾版面配置區 2">
             <a:extLst>
               <a:ext uri="{FF2B5EF4-FFF2-40B4-BE49-F238E27FC236}">
-                <a16:creationId xmlns:a16="http://schemas.microsoft.com/office/drawing/2014/main" id="{10593B39-DC86-45A7-85EF-B4DB9C28DC80}"/>
+                <a16:creationId xmlns:a16="http://schemas.microsoft.com/office/drawing/2014/main" id="{65607B5F-B4F7-469E-856F-76F8BC475DD4}"/>
               </a:ext>
             </a:extLst>
           </p:cNvPr>
@@ -2100,7 +3304,7 @@
           <p:cNvPr id="4" name="投影片編號版面配置區 3">
             <a:extLst>
               <a:ext uri="{FF2B5EF4-FFF2-40B4-BE49-F238E27FC236}">
-                <a16:creationId xmlns:a16="http://schemas.microsoft.com/office/drawing/2014/main" id="{3D9056B2-6966-4CAF-94D1-2295A737E168}"/>
+                <a16:creationId xmlns:a16="http://schemas.microsoft.com/office/drawing/2014/main" id="{F3D83F44-EABD-4D34-AAE1-55B35F9894C2}"/>
               </a:ext>
             </a:extLst>
           </p:cNvPr>
@@ -2127,7 +3331,7 @@
     </p:spTree>
     <p:extLst>
       <p:ext uri="{BB962C8B-B14F-4D97-AF65-F5344CB8AC3E}">
-        <p14:creationId xmlns:p14="http://schemas.microsoft.com/office/powerpoint/2010/main" val="3887241942"/>
+        <p14:creationId xmlns:p14="http://schemas.microsoft.com/office/powerpoint/2010/main" val="1802865293"/>
       </p:ext>
     </p:extLst>
   </p:cSld>
@@ -2139,7 +3343,7 @@
 
 <file path=ppt/slideLayouts/slideLayout8.xml><?xml version="1.0" encoding="utf-8"?>
 <p:sldLayout xmlns:a="http://schemas.openxmlformats.org/drawingml/2006/main" xmlns:r="http://schemas.openxmlformats.org/officeDocument/2006/relationships" xmlns:p="http://schemas.openxmlformats.org/presentationml/2006/main" type="objTx" preserve="1">
-  <p:cSld name="含輔助字幕的內容">
+  <p:cSld name="含標題的內容">
     <p:spTree>
       <p:nvGrpSpPr>
         <p:cNvPr id="1" name=""/>
@@ -2159,7 +3363,7 @@
           <p:cNvPr id="2" name="標題 1">
             <a:extLst>
               <a:ext uri="{FF2B5EF4-FFF2-40B4-BE49-F238E27FC236}">
-                <a16:creationId xmlns:a16="http://schemas.microsoft.com/office/drawing/2014/main" id="{5C3076DF-D16B-4600-9550-96C6A8DD7F1A}"/>
+                <a16:creationId xmlns:a16="http://schemas.microsoft.com/office/drawing/2014/main" id="{A48EC704-90A8-4203-9077-49CF70ADE819}"/>
               </a:ext>
             </a:extLst>
           </p:cNvPr>
@@ -2196,7 +3400,7 @@
           <p:cNvPr id="3" name="內容版面配置區 2">
             <a:extLst>
               <a:ext uri="{FF2B5EF4-FFF2-40B4-BE49-F238E27FC236}">
-                <a16:creationId xmlns:a16="http://schemas.microsoft.com/office/drawing/2014/main" id="{9CD3D667-FDE5-4F5D-9495-588EC18912CE}"/>
+                <a16:creationId xmlns:a16="http://schemas.microsoft.com/office/drawing/2014/main" id="{792A97FB-FD06-4979-8DF9-44057019C311}"/>
               </a:ext>
             </a:extLst>
           </p:cNvPr>
@@ -2248,7 +3452,7 @@
             <a:pPr lvl="0"/>
             <a:r>
               <a:rPr lang="zh-TW" altLang="en-US"/>
-              <a:t>按一下以編輯母片文字樣式</a:t>
+              <a:t>編輯母片文字樣式</a:t>
             </a:r>
           </a:p>
           <a:p>
@@ -2286,7 +3490,7 @@
           <p:cNvPr id="4" name="文字版面配置區 3">
             <a:extLst>
               <a:ext uri="{FF2B5EF4-FFF2-40B4-BE49-F238E27FC236}">
-                <a16:creationId xmlns:a16="http://schemas.microsoft.com/office/drawing/2014/main" id="{22F511E7-BEEF-4F51-BA0E-52C1908D5608}"/>
+                <a16:creationId xmlns:a16="http://schemas.microsoft.com/office/drawing/2014/main" id="{32771E4B-1058-4E7E-B273-AAC54EE6C90B}"/>
               </a:ext>
             </a:extLst>
           </p:cNvPr>
@@ -2347,7 +3551,7 @@
             <a:pPr lvl="0"/>
             <a:r>
               <a:rPr lang="zh-TW" altLang="en-US"/>
-              <a:t>按一下以編輯母片文字樣式</a:t>
+              <a:t>編輯母片文字樣式</a:t>
             </a:r>
           </a:p>
         </p:txBody>
@@ -2357,7 +3561,7 @@
           <p:cNvPr id="5" name="日期版面配置區 4">
             <a:extLst>
               <a:ext uri="{FF2B5EF4-FFF2-40B4-BE49-F238E27FC236}">
-                <a16:creationId xmlns:a16="http://schemas.microsoft.com/office/drawing/2014/main" id="{88060697-A92E-4178-A790-FCBB90D70573}"/>
+                <a16:creationId xmlns:a16="http://schemas.microsoft.com/office/drawing/2014/main" id="{FFFF8C31-2A3C-4AB3-BB2F-67AE74B90C40}"/>
               </a:ext>
             </a:extLst>
           </p:cNvPr>
@@ -2375,7 +3579,7 @@
           <a:p>
             <a:fld id="{C3C90D7E-32D6-4894-AE08-7BBB3E610FC9}" type="datetimeFigureOut">
               <a:rPr lang="zh-TW" altLang="en-US" smtClean="0"/>
-              <a:t>2024/9/16</a:t>
+              <a:t>2024/10/24</a:t>
             </a:fld>
             <a:endParaRPr lang="zh-TW" altLang="en-US"/>
           </a:p>
@@ -2386,7 +3590,7 @@
           <p:cNvPr id="6" name="頁尾版面配置區 5">
             <a:extLst>
               <a:ext uri="{FF2B5EF4-FFF2-40B4-BE49-F238E27FC236}">
-                <a16:creationId xmlns:a16="http://schemas.microsoft.com/office/drawing/2014/main" id="{2A8E3F57-A99A-4C4C-BF14-EE42AB99CE78}"/>
+                <a16:creationId xmlns:a16="http://schemas.microsoft.com/office/drawing/2014/main" id="{AE1AFE48-44E6-4653-B647-4F7741F38968}"/>
               </a:ext>
             </a:extLst>
           </p:cNvPr>
@@ -2411,7 +3615,7 @@
           <p:cNvPr id="7" name="投影片編號版面配置區 6">
             <a:extLst>
               <a:ext uri="{FF2B5EF4-FFF2-40B4-BE49-F238E27FC236}">
-                <a16:creationId xmlns:a16="http://schemas.microsoft.com/office/drawing/2014/main" id="{39234440-6924-48D7-AC1A-200D5946BCA9}"/>
+                <a16:creationId xmlns:a16="http://schemas.microsoft.com/office/drawing/2014/main" id="{22025208-BDF3-45B1-BF43-8958E0116B0C}"/>
               </a:ext>
             </a:extLst>
           </p:cNvPr>
@@ -2438,7 +3642,7 @@
     </p:spTree>
     <p:extLst>
       <p:ext uri="{BB962C8B-B14F-4D97-AF65-F5344CB8AC3E}">
-        <p14:creationId xmlns:p14="http://schemas.microsoft.com/office/powerpoint/2010/main" val="2036183199"/>
+        <p14:creationId xmlns:p14="http://schemas.microsoft.com/office/powerpoint/2010/main" val="4101568671"/>
       </p:ext>
     </p:extLst>
   </p:cSld>
@@ -2450,7 +3654,7 @@
 
 <file path=ppt/slideLayouts/slideLayout9.xml><?xml version="1.0" encoding="utf-8"?>
 <p:sldLayout xmlns:a="http://schemas.openxmlformats.org/drawingml/2006/main" xmlns:r="http://schemas.openxmlformats.org/officeDocument/2006/relationships" xmlns:p="http://schemas.openxmlformats.org/presentationml/2006/main" type="picTx" preserve="1">
-  <p:cSld name="含輔助字幕的圖片">
+  <p:cSld name="含標題的圖片">
     <p:spTree>
       <p:nvGrpSpPr>
         <p:cNvPr id="1" name=""/>
@@ -2470,7 +3674,7 @@
           <p:cNvPr id="2" name="標題 1">
             <a:extLst>
               <a:ext uri="{FF2B5EF4-FFF2-40B4-BE49-F238E27FC236}">
-                <a16:creationId xmlns:a16="http://schemas.microsoft.com/office/drawing/2014/main" id="{B2E81694-0B93-4D65-9DA3-21597478A96C}"/>
+                <a16:creationId xmlns:a16="http://schemas.microsoft.com/office/drawing/2014/main" id="{97B8DDD5-360E-4A11-AC51-73409A3E141E}"/>
               </a:ext>
             </a:extLst>
           </p:cNvPr>
@@ -2507,7 +3711,7 @@
           <p:cNvPr id="3" name="圖片版面配置區 2">
             <a:extLst>
               <a:ext uri="{FF2B5EF4-FFF2-40B4-BE49-F238E27FC236}">
-                <a16:creationId xmlns:a16="http://schemas.microsoft.com/office/drawing/2014/main" id="{23E4D718-8CB0-4334-BB8A-FB8B57D7CDC6}"/>
+                <a16:creationId xmlns:a16="http://schemas.microsoft.com/office/drawing/2014/main" id="{43FF5A40-A047-465E-9768-93C1D22EB539}"/>
               </a:ext>
             </a:extLst>
           </p:cNvPr>
@@ -2574,7 +3778,7 @@
           <p:cNvPr id="4" name="文字版面配置區 3">
             <a:extLst>
               <a:ext uri="{FF2B5EF4-FFF2-40B4-BE49-F238E27FC236}">
-                <a16:creationId xmlns:a16="http://schemas.microsoft.com/office/drawing/2014/main" id="{0DC47463-53E7-4FE3-B60B-1657D11127BD}"/>
+                <a16:creationId xmlns:a16="http://schemas.microsoft.com/office/drawing/2014/main" id="{FA754BFD-5A79-4BB9-BBEB-F855D3325663}"/>
               </a:ext>
             </a:extLst>
           </p:cNvPr>
@@ -2635,7 +3839,7 @@
             <a:pPr lvl="0"/>
             <a:r>
               <a:rPr lang="zh-TW" altLang="en-US"/>
-              <a:t>按一下以編輯母片文字樣式</a:t>
+              <a:t>編輯母片文字樣式</a:t>
             </a:r>
           </a:p>
         </p:txBody>
@@ -2645,7 +3849,7 @@
           <p:cNvPr id="5" name="日期版面配置區 4">
             <a:extLst>
               <a:ext uri="{FF2B5EF4-FFF2-40B4-BE49-F238E27FC236}">
-                <a16:creationId xmlns:a16="http://schemas.microsoft.com/office/drawing/2014/main" id="{28875DC5-6AFF-40C0-8C77-F81A0A3E1B0F}"/>
+                <a16:creationId xmlns:a16="http://schemas.microsoft.com/office/drawing/2014/main" id="{4F0DFB6E-E816-47C4-A544-5C106E6B0C54}"/>
               </a:ext>
             </a:extLst>
           </p:cNvPr>
@@ -2663,7 +3867,7 @@
           <a:p>
             <a:fld id="{C3C90D7E-32D6-4894-AE08-7BBB3E610FC9}" type="datetimeFigureOut">
               <a:rPr lang="zh-TW" altLang="en-US" smtClean="0"/>
-              <a:t>2024/9/16</a:t>
+              <a:t>2024/10/24</a:t>
             </a:fld>
             <a:endParaRPr lang="zh-TW" altLang="en-US"/>
           </a:p>
@@ -2674,7 +3878,7 @@
           <p:cNvPr id="6" name="頁尾版面配置區 5">
             <a:extLst>
               <a:ext uri="{FF2B5EF4-FFF2-40B4-BE49-F238E27FC236}">
-                <a16:creationId xmlns:a16="http://schemas.microsoft.com/office/drawing/2014/main" id="{24F8A973-6D07-4F0C-97A0-280FEFC238E0}"/>
+                <a16:creationId xmlns:a16="http://schemas.microsoft.com/office/drawing/2014/main" id="{95F32154-A632-4144-B1C7-AC88FAFC8E0B}"/>
               </a:ext>
             </a:extLst>
           </p:cNvPr>
@@ -2699,7 +3903,7 @@
           <p:cNvPr id="7" name="投影片編號版面配置區 6">
             <a:extLst>
               <a:ext uri="{FF2B5EF4-FFF2-40B4-BE49-F238E27FC236}">
-                <a16:creationId xmlns:a16="http://schemas.microsoft.com/office/drawing/2014/main" id="{DB60BB1E-F41B-40F0-929B-5208374980BF}"/>
+                <a16:creationId xmlns:a16="http://schemas.microsoft.com/office/drawing/2014/main" id="{DECEF8A1-7090-46C1-98FC-ED3DDA43850A}"/>
               </a:ext>
             </a:extLst>
           </p:cNvPr>
@@ -2726,7 +3930,7 @@
     </p:spTree>
     <p:extLst>
       <p:ext uri="{BB962C8B-B14F-4D97-AF65-F5344CB8AC3E}">
-        <p14:creationId xmlns:p14="http://schemas.microsoft.com/office/powerpoint/2010/main" val="3148270851"/>
+        <p14:creationId xmlns:p14="http://schemas.microsoft.com/office/powerpoint/2010/main" val="3417218842"/>
       </p:ext>
     </p:extLst>
   </p:cSld>
@@ -2763,7 +3967,7 @@
           <p:cNvPr id="2" name="標題版面配置區 1">
             <a:extLst>
               <a:ext uri="{FF2B5EF4-FFF2-40B4-BE49-F238E27FC236}">
-                <a16:creationId xmlns:a16="http://schemas.microsoft.com/office/drawing/2014/main" id="{B8575AAC-624C-4B52-ABD4-699B1E35D2CF}"/>
+                <a16:creationId xmlns:a16="http://schemas.microsoft.com/office/drawing/2014/main" id="{8EAD6805-375E-4323-A23C-145655C6EAB5}"/>
               </a:ext>
             </a:extLst>
           </p:cNvPr>
@@ -2801,7 +4005,7 @@
           <p:cNvPr id="3" name="文字版面配置區 2">
             <a:extLst>
               <a:ext uri="{FF2B5EF4-FFF2-40B4-BE49-F238E27FC236}">
-                <a16:creationId xmlns:a16="http://schemas.microsoft.com/office/drawing/2014/main" id="{76722991-C57D-471F-8271-C419A1CFB074}"/>
+                <a16:creationId xmlns:a16="http://schemas.microsoft.com/office/drawing/2014/main" id="{8EC08E18-4A06-4E8A-B468-C95F8F240A3B}"/>
               </a:ext>
             </a:extLst>
           </p:cNvPr>
@@ -2830,7 +4034,7 @@
             <a:pPr lvl="0"/>
             <a:r>
               <a:rPr lang="zh-TW" altLang="en-US"/>
-              <a:t>按一下以編輯母片文字樣式</a:t>
+              <a:t>編輯母片文字樣式</a:t>
             </a:r>
           </a:p>
           <a:p>
@@ -2868,7 +4072,7 @@
           <p:cNvPr id="4" name="日期版面配置區 3">
             <a:extLst>
               <a:ext uri="{FF2B5EF4-FFF2-40B4-BE49-F238E27FC236}">
-                <a16:creationId xmlns:a16="http://schemas.microsoft.com/office/drawing/2014/main" id="{85C839DD-8CBF-4E23-A0C7-7C039E950BB8}"/>
+                <a16:creationId xmlns:a16="http://schemas.microsoft.com/office/drawing/2014/main" id="{DBD916C6-D35E-459C-957E-D2430AC5A60C}"/>
               </a:ext>
             </a:extLst>
           </p:cNvPr>
@@ -2904,7 +4108,7 @@
           <a:p>
             <a:fld id="{C3C90D7E-32D6-4894-AE08-7BBB3E610FC9}" type="datetimeFigureOut">
               <a:rPr lang="zh-TW" altLang="en-US" smtClean="0"/>
-              <a:t>2024/9/16</a:t>
+              <a:t>2024/10/24</a:t>
             </a:fld>
             <a:endParaRPr lang="zh-TW" altLang="en-US"/>
           </a:p>
@@ -2915,7 +4119,7 @@
           <p:cNvPr id="5" name="頁尾版面配置區 4">
             <a:extLst>
               <a:ext uri="{FF2B5EF4-FFF2-40B4-BE49-F238E27FC236}">
-                <a16:creationId xmlns:a16="http://schemas.microsoft.com/office/drawing/2014/main" id="{12802D8A-77D4-418C-8190-43B6ADED2131}"/>
+                <a16:creationId xmlns:a16="http://schemas.microsoft.com/office/drawing/2014/main" id="{A203E32F-C352-4B3A-83C4-618948A56210}"/>
               </a:ext>
             </a:extLst>
           </p:cNvPr>
@@ -2958,7 +4162,7 @@
           <p:cNvPr id="6" name="投影片編號版面配置區 5">
             <a:extLst>
               <a:ext uri="{FF2B5EF4-FFF2-40B4-BE49-F238E27FC236}">
-                <a16:creationId xmlns:a16="http://schemas.microsoft.com/office/drawing/2014/main" id="{7072B55E-2BE2-4AF4-AFF8-2A716F492F1C}"/>
+                <a16:creationId xmlns:a16="http://schemas.microsoft.com/office/drawing/2014/main" id="{11E58FAC-5172-471E-99B4-6947E5A3A9B9}"/>
               </a:ext>
             </a:extLst>
           </p:cNvPr>
@@ -3003,23 +4207,23 @@
     </p:spTree>
     <p:extLst>
       <p:ext uri="{BB962C8B-B14F-4D97-AF65-F5344CB8AC3E}">
-        <p14:creationId xmlns:p14="http://schemas.microsoft.com/office/powerpoint/2010/main" val="2016052060"/>
+        <p14:creationId xmlns:p14="http://schemas.microsoft.com/office/powerpoint/2010/main" val="2375892493"/>
       </p:ext>
     </p:extLst>
   </p:cSld>
   <p:clrMap bg1="lt1" tx1="dk1" bg2="lt2" tx2="dk2" accent1="accent1" accent2="accent2" accent3="accent3" accent4="accent4" accent5="accent5" accent6="accent6" hlink="hlink" folHlink="folHlink"/>
   <p:sldLayoutIdLst>
-    <p:sldLayoutId id="2147483649" r:id="rId1"/>
-    <p:sldLayoutId id="2147483650" r:id="rId2"/>
-    <p:sldLayoutId id="2147483651" r:id="rId3"/>
-    <p:sldLayoutId id="2147483652" r:id="rId4"/>
-    <p:sldLayoutId id="2147483653" r:id="rId5"/>
-    <p:sldLayoutId id="2147483654" r:id="rId6"/>
-    <p:sldLayoutId id="2147483655" r:id="rId7"/>
-    <p:sldLayoutId id="2147483656" r:id="rId8"/>
-    <p:sldLayoutId id="2147483657" r:id="rId9"/>
-    <p:sldLayoutId id="2147483658" r:id="rId10"/>
-    <p:sldLayoutId id="2147483659" r:id="rId11"/>
+    <p:sldLayoutId id="2147483786" r:id="rId1"/>
+    <p:sldLayoutId id="2147483787" r:id="rId2"/>
+    <p:sldLayoutId id="2147483788" r:id="rId3"/>
+    <p:sldLayoutId id="2147483789" r:id="rId4"/>
+    <p:sldLayoutId id="2147483790" r:id="rId5"/>
+    <p:sldLayoutId id="2147483791" r:id="rId6"/>
+    <p:sldLayoutId id="2147483792" r:id="rId7"/>
+    <p:sldLayoutId id="2147483793" r:id="rId8"/>
+    <p:sldLayoutId id="2147483794" r:id="rId9"/>
+    <p:sldLayoutId id="2147483795" r:id="rId10"/>
+    <p:sldLayoutId id="2147483796" r:id="rId11"/>
   </p:sldLayoutIdLst>
   <p:txStyles>
     <p:titleStyle>
@@ -3307,6 +4511,16 @@
 <file path=ppt/slides/slide1.xml><?xml version="1.0" encoding="utf-8"?>
 <p:sld xmlns:a="http://schemas.openxmlformats.org/drawingml/2006/main" xmlns:r="http://schemas.openxmlformats.org/officeDocument/2006/relationships" xmlns:p="http://schemas.openxmlformats.org/presentationml/2006/main">
   <p:cSld>
+    <p:bg>
+      <p:bgPr>
+        <a:solidFill>
+          <a:schemeClr val="bg2">
+            <a:lumMod val="90000"/>
+          </a:schemeClr>
+        </a:solidFill>
+        <a:effectLst/>
+      </p:bgPr>
+    </p:bg>
     <p:spTree>
       <p:nvGrpSpPr>
         <p:cNvPr id="1" name=""/>
@@ -3326,6 +4540,140 @@
           <p:cNvPr id="2" name="標題 1">
             <a:extLst>
               <a:ext uri="{FF2B5EF4-FFF2-40B4-BE49-F238E27FC236}">
+                <a16:creationId xmlns:a16="http://schemas.microsoft.com/office/drawing/2014/main" id="{476AD43E-1881-427E-864C-BFD8CF76B309}"/>
+              </a:ext>
+            </a:extLst>
+          </p:cNvPr>
+          <p:cNvSpPr>
+            <a:spLocks noGrp="1"/>
+          </p:cNvSpPr>
+          <p:nvPr>
+            <p:ph type="ctrTitle"/>
+          </p:nvPr>
+        </p:nvSpPr>
+        <p:spPr>
+          <a:xfrm>
+            <a:off x="1300480" y="1066800"/>
+            <a:ext cx="3992880" cy="2189162"/>
+          </a:xfrm>
+        </p:spPr>
+        <p:txBody>
+          <a:bodyPr>
+            <a:normAutofit/>
+          </a:bodyPr>
+          <a:lstStyle/>
+          <a:p>
+            <a:r>
+              <a:rPr lang="zh-TW" altLang="en-US" sz="4000" dirty="0">
+                <a:latin typeface="標楷體" panose="03000509000000000000" pitchFamily="65" charset="-120"/>
+                <a:ea typeface="標楷體" panose="03000509000000000000" pitchFamily="65" charset="-120"/>
+              </a:rPr>
+              <a:t>自我介紹</a:t>
+            </a:r>
+            <a:br>
+              <a:rPr lang="en-US" altLang="zh-TW" sz="4000" dirty="0">
+                <a:latin typeface="標楷體" panose="03000509000000000000" pitchFamily="65" charset="-120"/>
+                <a:ea typeface="標楷體" panose="03000509000000000000" pitchFamily="65" charset="-120"/>
+              </a:rPr>
+            </a:br>
+            <a:r>
+              <a:rPr lang="en-US" altLang="zh-TW" sz="4000" dirty="0">
+                <a:latin typeface="標楷體" panose="03000509000000000000" pitchFamily="65" charset="-120"/>
+                <a:ea typeface="標楷體" panose="03000509000000000000" pitchFamily="65" charset="-120"/>
+              </a:rPr>
+              <a:t>(</a:t>
+            </a:r>
+            <a:r>
+              <a:rPr lang="en-US" altLang="zh-TW" sz="4000" dirty="0" err="1">
+                <a:latin typeface="標楷體" panose="03000509000000000000" pitchFamily="65" charset="-120"/>
+                <a:ea typeface="標楷體" panose="03000509000000000000" pitchFamily="65" charset="-120"/>
+              </a:rPr>
+              <a:t>nizima</a:t>
+            </a:r>
+            <a:r>
+              <a:rPr lang="en-US" altLang="zh-TW" sz="4000" dirty="0">
+                <a:latin typeface="標楷體" panose="03000509000000000000" pitchFamily="65" charset="-120"/>
+                <a:ea typeface="標楷體" panose="03000509000000000000" pitchFamily="65" charset="-120"/>
+              </a:rPr>
+              <a:t> Live)</a:t>
+            </a:r>
+            <a:endParaRPr lang="zh-TW" altLang="en-US" sz="4000" dirty="0">
+              <a:latin typeface="標楷體" panose="03000509000000000000" pitchFamily="65" charset="-120"/>
+              <a:ea typeface="標楷體" panose="03000509000000000000" pitchFamily="65" charset="-120"/>
+            </a:endParaRPr>
+          </a:p>
+        </p:txBody>
+      </p:sp>
+      <p:sp>
+        <p:nvSpPr>
+          <p:cNvPr id="3" name="副標題 2">
+            <a:extLst>
+              <a:ext uri="{FF2B5EF4-FFF2-40B4-BE49-F238E27FC236}">
+                <a16:creationId xmlns:a16="http://schemas.microsoft.com/office/drawing/2014/main" id="{35B47BF9-9C63-4344-AD57-891F76D78C31}"/>
+              </a:ext>
+            </a:extLst>
+          </p:cNvPr>
+          <p:cNvSpPr>
+            <a:spLocks noGrp="1"/>
+          </p:cNvSpPr>
+          <p:nvPr>
+            <p:ph type="subTitle" idx="1"/>
+          </p:nvPr>
+        </p:nvSpPr>
+        <p:spPr/>
+        <p:txBody>
+          <a:bodyPr/>
+          <a:lstStyle/>
+          <a:p>
+            <a:endParaRPr lang="zh-TW" altLang="en-US" dirty="0"/>
+          </a:p>
+        </p:txBody>
+      </p:sp>
+    </p:spTree>
+    <p:extLst>
+      <p:ext uri="{BB962C8B-B14F-4D97-AF65-F5344CB8AC3E}">
+        <p14:creationId xmlns:p14="http://schemas.microsoft.com/office/powerpoint/2010/main" val="3062048717"/>
+      </p:ext>
+    </p:extLst>
+  </p:cSld>
+  <p:clrMapOvr>
+    <a:masterClrMapping/>
+  </p:clrMapOvr>
+</p:sld>
+</file>
+
+<file path=ppt/slides/slide2.xml><?xml version="1.0" encoding="utf-8"?>
+<p:sld xmlns:a="http://schemas.openxmlformats.org/drawingml/2006/main" xmlns:r="http://schemas.openxmlformats.org/officeDocument/2006/relationships" xmlns:p="http://schemas.openxmlformats.org/presentationml/2006/main">
+  <p:cSld>
+    <p:bg>
+      <p:bgPr>
+        <a:solidFill>
+          <a:schemeClr val="bg2">
+            <a:lumMod val="90000"/>
+          </a:schemeClr>
+        </a:solidFill>
+        <a:effectLst/>
+      </p:bgPr>
+    </p:bg>
+    <p:spTree>
+      <p:nvGrpSpPr>
+        <p:cNvPr id="1" name=""/>
+        <p:cNvGrpSpPr/>
+        <p:nvPr/>
+      </p:nvGrpSpPr>
+      <p:grpSpPr>
+        <a:xfrm>
+          <a:off x="0" y="0"/>
+          <a:ext cx="0" cy="0"/>
+          <a:chOff x="0" y="0"/>
+          <a:chExt cx="0" cy="0"/>
+        </a:xfrm>
+      </p:grpSpPr>
+      <p:sp>
+        <p:nvSpPr>
+          <p:cNvPr id="2" name="標題 1">
+            <a:extLst>
+              <a:ext uri="{FF2B5EF4-FFF2-40B4-BE49-F238E27FC236}">
                 <a16:creationId xmlns:a16="http://schemas.microsoft.com/office/drawing/2014/main" id="{32532283-9F93-4E44-8138-32796965361F}"/>
               </a:ext>
             </a:extLst>
@@ -3337,12 +4685,33 @@
             <p:ph type="ctrTitle"/>
           </p:nvPr>
         </p:nvSpPr>
-        <p:spPr/>
-        <p:txBody>
-          <a:bodyPr/>
-          <a:lstStyle/>
-          <a:p>
-            <a:endParaRPr lang="zh-TW" altLang="en-US"/>
+        <p:spPr>
+          <a:xfrm>
+            <a:off x="142044" y="168677"/>
+            <a:ext cx="3835152" cy="514904"/>
+          </a:xfrm>
+        </p:spPr>
+        <p:txBody>
+          <a:bodyPr>
+            <a:normAutofit/>
+          </a:bodyPr>
+          <a:lstStyle/>
+          <a:p>
+            <a:pPr algn="l"/>
+            <a:r>
+              <a:rPr lang="en-US" altLang="zh-TW" sz="3000" dirty="0">
+                <a:latin typeface="標楷體" panose="03000509000000000000" pitchFamily="65" charset="-120"/>
+                <a:ea typeface="標楷體" panose="03000509000000000000" pitchFamily="65" charset="-120"/>
+              </a:rPr>
+              <a:t>1. </a:t>
+            </a:r>
+            <a:r>
+              <a:rPr lang="zh-TW" altLang="en-US" sz="3000" dirty="0">
+                <a:latin typeface="標楷體" panose="03000509000000000000" pitchFamily="65" charset="-120"/>
+                <a:ea typeface="標楷體" panose="03000509000000000000" pitchFamily="65" charset="-120"/>
+              </a:rPr>
+              <a:t>目標</a:t>
+            </a:r>
           </a:p>
         </p:txBody>
       </p:sp>
@@ -3362,19 +4731,972 @@
             <p:ph type="subTitle" idx="1"/>
           </p:nvPr>
         </p:nvSpPr>
-        <p:spPr/>
-        <p:txBody>
-          <a:bodyPr/>
-          <a:lstStyle/>
-          <a:p>
-            <a:endParaRPr lang="zh-TW" altLang="en-US"/>
-          </a:p>
-        </p:txBody>
-      </p:sp>
+        <p:spPr>
+          <a:xfrm>
+            <a:off x="142044" y="683582"/>
+            <a:ext cx="5566298" cy="5566298"/>
+          </a:xfrm>
+        </p:spPr>
+        <p:txBody>
+          <a:bodyPr/>
+          <a:lstStyle/>
+          <a:p>
+            <a:endParaRPr lang="zh-TW" altLang="en-US" dirty="0"/>
+          </a:p>
+        </p:txBody>
+      </p:sp>
+      <p:pic>
+        <p:nvPicPr>
+          <p:cNvPr id="5" name="圖片 4">
+            <a:extLst>
+              <a:ext uri="{FF2B5EF4-FFF2-40B4-BE49-F238E27FC236}">
+                <a16:creationId xmlns:a16="http://schemas.microsoft.com/office/drawing/2014/main" id="{41F635F8-6BB3-466A-9188-F9C1DE43920A}"/>
+              </a:ext>
+            </a:extLst>
+          </p:cNvPr>
+          <p:cNvPicPr>
+            <a:picLocks noChangeAspect="1"/>
+          </p:cNvPicPr>
+          <p:nvPr/>
+        </p:nvPicPr>
+        <p:blipFill>
+          <a:blip r:embed="rId3">
+            <a:extLst>
+              <a:ext uri="{28A0092B-C50C-407E-A947-70E740481C1C}">
+                <a14:useLocalDpi xmlns:a14="http://schemas.microsoft.com/office/drawing/2010/main" val="0"/>
+              </a:ext>
+            </a:extLst>
+          </a:blip>
+          <a:stretch>
+            <a:fillRect/>
+          </a:stretch>
+        </p:blipFill>
+        <p:spPr>
+          <a:xfrm>
+            <a:off x="142044" y="683581"/>
+            <a:ext cx="5566298" cy="5566298"/>
+          </a:xfrm>
+          <a:prstGeom prst="rect">
+            <a:avLst/>
+          </a:prstGeom>
+        </p:spPr>
+      </p:pic>
     </p:spTree>
     <p:extLst>
       <p:ext uri="{BB962C8B-B14F-4D97-AF65-F5344CB8AC3E}">
         <p14:creationId xmlns:p14="http://schemas.microsoft.com/office/powerpoint/2010/main" val="1328321055"/>
+      </p:ext>
+    </p:extLst>
+  </p:cSld>
+  <p:clrMapOvr>
+    <a:masterClrMapping/>
+  </p:clrMapOvr>
+</p:sld>
+</file>
+
+<file path=ppt/slides/slide3.xml><?xml version="1.0" encoding="utf-8"?>
+<p:sld xmlns:a="http://schemas.openxmlformats.org/drawingml/2006/main" xmlns:r="http://schemas.openxmlformats.org/officeDocument/2006/relationships" xmlns:p="http://schemas.openxmlformats.org/presentationml/2006/main">
+  <p:cSld>
+    <p:bg>
+      <p:bgPr>
+        <a:solidFill>
+          <a:schemeClr val="bg2">
+            <a:lumMod val="90000"/>
+          </a:schemeClr>
+        </a:solidFill>
+        <a:effectLst/>
+      </p:bgPr>
+    </p:bg>
+    <p:spTree>
+      <p:nvGrpSpPr>
+        <p:cNvPr id="1" name=""/>
+        <p:cNvGrpSpPr/>
+        <p:nvPr/>
+      </p:nvGrpSpPr>
+      <p:grpSpPr>
+        <a:xfrm>
+          <a:off x="0" y="0"/>
+          <a:ext cx="0" cy="0"/>
+          <a:chOff x="0" y="0"/>
+          <a:chExt cx="0" cy="0"/>
+        </a:xfrm>
+      </p:grpSpPr>
+      <p:sp>
+        <p:nvSpPr>
+          <p:cNvPr id="2" name="標題 1">
+            <a:extLst>
+              <a:ext uri="{FF2B5EF4-FFF2-40B4-BE49-F238E27FC236}">
+                <a16:creationId xmlns:a16="http://schemas.microsoft.com/office/drawing/2014/main" id="{32532283-9F93-4E44-8138-32796965361F}"/>
+              </a:ext>
+            </a:extLst>
+          </p:cNvPr>
+          <p:cNvSpPr>
+            <a:spLocks noGrp="1"/>
+          </p:cNvSpPr>
+          <p:nvPr>
+            <p:ph type="ctrTitle"/>
+          </p:nvPr>
+        </p:nvSpPr>
+        <p:spPr>
+          <a:xfrm>
+            <a:off x="142044" y="168677"/>
+            <a:ext cx="3835152" cy="514904"/>
+          </a:xfrm>
+        </p:spPr>
+        <p:txBody>
+          <a:bodyPr>
+            <a:normAutofit/>
+          </a:bodyPr>
+          <a:lstStyle/>
+          <a:p>
+            <a:pPr algn="l"/>
+            <a:r>
+              <a:rPr lang="en-US" altLang="zh-TW" sz="3000" dirty="0">
+                <a:latin typeface="標楷體" panose="03000509000000000000" pitchFamily="65" charset="-120"/>
+                <a:ea typeface="標楷體" panose="03000509000000000000" pitchFamily="65" charset="-120"/>
+              </a:rPr>
+              <a:t>2. </a:t>
+            </a:r>
+            <a:r>
+              <a:rPr lang="zh-TW" altLang="en-US" sz="3000" dirty="0">
+                <a:latin typeface="標楷體" panose="03000509000000000000" pitchFamily="65" charset="-120"/>
+                <a:ea typeface="標楷體" panose="03000509000000000000" pitchFamily="65" charset="-120"/>
+              </a:rPr>
+              <a:t>阻礙</a:t>
+            </a:r>
+          </a:p>
+        </p:txBody>
+      </p:sp>
+      <p:sp>
+        <p:nvSpPr>
+          <p:cNvPr id="3" name="副標題 2">
+            <a:extLst>
+              <a:ext uri="{FF2B5EF4-FFF2-40B4-BE49-F238E27FC236}">
+                <a16:creationId xmlns:a16="http://schemas.microsoft.com/office/drawing/2014/main" id="{8C946F38-524D-4B98-B9CB-80AEE57E455A}"/>
+              </a:ext>
+            </a:extLst>
+          </p:cNvPr>
+          <p:cNvSpPr>
+            <a:spLocks noGrp="1"/>
+          </p:cNvSpPr>
+          <p:nvPr>
+            <p:ph type="subTitle" idx="1"/>
+          </p:nvPr>
+        </p:nvSpPr>
+        <p:spPr>
+          <a:xfrm>
+            <a:off x="142044" y="683582"/>
+            <a:ext cx="5566298" cy="5566050"/>
+          </a:xfrm>
+        </p:spPr>
+        <p:txBody>
+          <a:bodyPr/>
+          <a:lstStyle/>
+          <a:p>
+            <a:endParaRPr lang="zh-TW" altLang="en-US" dirty="0"/>
+          </a:p>
+        </p:txBody>
+      </p:sp>
+      <p:pic>
+        <p:nvPicPr>
+          <p:cNvPr id="8" name="圖片 7">
+            <a:extLst>
+              <a:ext uri="{FF2B5EF4-FFF2-40B4-BE49-F238E27FC236}">
+                <a16:creationId xmlns:a16="http://schemas.microsoft.com/office/drawing/2014/main" id="{1FBA9BBA-2CBE-499C-A0E8-4E974587CD70}"/>
+              </a:ext>
+            </a:extLst>
+          </p:cNvPr>
+          <p:cNvPicPr>
+            <a:picLocks noChangeAspect="1"/>
+          </p:cNvPicPr>
+          <p:nvPr/>
+        </p:nvPicPr>
+        <p:blipFill>
+          <a:blip r:embed="rId3">
+            <a:extLst>
+              <a:ext uri="{28A0092B-C50C-407E-A947-70E740481C1C}">
+                <a14:useLocalDpi xmlns:a14="http://schemas.microsoft.com/office/drawing/2010/main" val="0"/>
+              </a:ext>
+            </a:extLst>
+          </a:blip>
+          <a:stretch>
+            <a:fillRect/>
+          </a:stretch>
+        </p:blipFill>
+        <p:spPr>
+          <a:xfrm>
+            <a:off x="142292" y="683581"/>
+            <a:ext cx="5566050" cy="5566050"/>
+          </a:xfrm>
+          <a:prstGeom prst="rect">
+            <a:avLst/>
+          </a:prstGeom>
+        </p:spPr>
+      </p:pic>
+    </p:spTree>
+    <p:extLst>
+      <p:ext uri="{BB962C8B-B14F-4D97-AF65-F5344CB8AC3E}">
+        <p14:creationId xmlns:p14="http://schemas.microsoft.com/office/powerpoint/2010/main" val="4148826196"/>
+      </p:ext>
+    </p:extLst>
+  </p:cSld>
+  <p:clrMapOvr>
+    <a:masterClrMapping/>
+  </p:clrMapOvr>
+</p:sld>
+</file>
+
+<file path=ppt/slides/slide4.xml><?xml version="1.0" encoding="utf-8"?>
+<p:sld xmlns:a="http://schemas.openxmlformats.org/drawingml/2006/main" xmlns:r="http://schemas.openxmlformats.org/officeDocument/2006/relationships" xmlns:p="http://schemas.openxmlformats.org/presentationml/2006/main">
+  <p:cSld>
+    <p:bg>
+      <p:bgPr>
+        <a:solidFill>
+          <a:schemeClr val="bg2">
+            <a:lumMod val="90000"/>
+          </a:schemeClr>
+        </a:solidFill>
+        <a:effectLst/>
+      </p:bgPr>
+    </p:bg>
+    <p:spTree>
+      <p:nvGrpSpPr>
+        <p:cNvPr id="1" name=""/>
+        <p:cNvGrpSpPr/>
+        <p:nvPr/>
+      </p:nvGrpSpPr>
+      <p:grpSpPr>
+        <a:xfrm>
+          <a:off x="0" y="0"/>
+          <a:ext cx="0" cy="0"/>
+          <a:chOff x="0" y="0"/>
+          <a:chExt cx="0" cy="0"/>
+        </a:xfrm>
+      </p:grpSpPr>
+      <p:sp>
+        <p:nvSpPr>
+          <p:cNvPr id="2" name="標題 1">
+            <a:extLst>
+              <a:ext uri="{FF2B5EF4-FFF2-40B4-BE49-F238E27FC236}">
+                <a16:creationId xmlns:a16="http://schemas.microsoft.com/office/drawing/2014/main" id="{32532283-9F93-4E44-8138-32796965361F}"/>
+              </a:ext>
+            </a:extLst>
+          </p:cNvPr>
+          <p:cNvSpPr>
+            <a:spLocks noGrp="1"/>
+          </p:cNvSpPr>
+          <p:nvPr>
+            <p:ph type="ctrTitle"/>
+          </p:nvPr>
+        </p:nvSpPr>
+        <p:spPr>
+          <a:xfrm>
+            <a:off x="142044" y="168677"/>
+            <a:ext cx="3835152" cy="514904"/>
+          </a:xfrm>
+        </p:spPr>
+        <p:txBody>
+          <a:bodyPr>
+            <a:normAutofit/>
+          </a:bodyPr>
+          <a:lstStyle/>
+          <a:p>
+            <a:pPr algn="l"/>
+            <a:r>
+              <a:rPr lang="en-US" altLang="zh-TW" sz="3000" dirty="0">
+                <a:latin typeface="標楷體" panose="03000509000000000000" pitchFamily="65" charset="-120"/>
+                <a:ea typeface="標楷體" panose="03000509000000000000" pitchFamily="65" charset="-120"/>
+              </a:rPr>
+              <a:t>3. </a:t>
+            </a:r>
+            <a:r>
+              <a:rPr lang="zh-TW" altLang="en-US" sz="3000" dirty="0">
+                <a:latin typeface="標楷體" panose="03000509000000000000" pitchFamily="65" charset="-120"/>
+                <a:ea typeface="標楷體" panose="03000509000000000000" pitchFamily="65" charset="-120"/>
+              </a:rPr>
+              <a:t>努力</a:t>
+            </a:r>
+          </a:p>
+        </p:txBody>
+      </p:sp>
+      <p:sp>
+        <p:nvSpPr>
+          <p:cNvPr id="3" name="副標題 2">
+            <a:extLst>
+              <a:ext uri="{FF2B5EF4-FFF2-40B4-BE49-F238E27FC236}">
+                <a16:creationId xmlns:a16="http://schemas.microsoft.com/office/drawing/2014/main" id="{8C946F38-524D-4B98-B9CB-80AEE57E455A}"/>
+              </a:ext>
+            </a:extLst>
+          </p:cNvPr>
+          <p:cNvSpPr>
+            <a:spLocks noGrp="1"/>
+          </p:cNvSpPr>
+          <p:nvPr>
+            <p:ph type="subTitle" idx="1"/>
+          </p:nvPr>
+        </p:nvSpPr>
+        <p:spPr>
+          <a:xfrm>
+            <a:off x="142044" y="683582"/>
+            <a:ext cx="5566298" cy="5566050"/>
+          </a:xfrm>
+        </p:spPr>
+        <p:txBody>
+          <a:bodyPr/>
+          <a:lstStyle/>
+          <a:p>
+            <a:endParaRPr lang="zh-TW" altLang="en-US" dirty="0"/>
+          </a:p>
+        </p:txBody>
+      </p:sp>
+      <p:pic>
+        <p:nvPicPr>
+          <p:cNvPr id="7" name="圖片 6">
+            <a:extLst>
+              <a:ext uri="{FF2B5EF4-FFF2-40B4-BE49-F238E27FC236}">
+                <a16:creationId xmlns:a16="http://schemas.microsoft.com/office/drawing/2014/main" id="{0936A784-822D-4EB2-844F-BD641D0A2A13}"/>
+              </a:ext>
+            </a:extLst>
+          </p:cNvPr>
+          <p:cNvPicPr>
+            <a:picLocks noChangeAspect="1"/>
+          </p:cNvPicPr>
+          <p:nvPr/>
+        </p:nvPicPr>
+        <p:blipFill>
+          <a:blip r:embed="rId3">
+            <a:extLst>
+              <a:ext uri="{28A0092B-C50C-407E-A947-70E740481C1C}">
+                <a14:useLocalDpi xmlns:a14="http://schemas.microsoft.com/office/drawing/2010/main" val="0"/>
+              </a:ext>
+            </a:extLst>
+          </a:blip>
+          <a:stretch>
+            <a:fillRect/>
+          </a:stretch>
+        </p:blipFill>
+        <p:spPr>
+          <a:xfrm>
+            <a:off x="142044" y="683581"/>
+            <a:ext cx="5720276" cy="5720276"/>
+          </a:xfrm>
+          <a:prstGeom prst="rect">
+            <a:avLst/>
+          </a:prstGeom>
+        </p:spPr>
+      </p:pic>
+    </p:spTree>
+    <p:extLst>
+      <p:ext uri="{BB962C8B-B14F-4D97-AF65-F5344CB8AC3E}">
+        <p14:creationId xmlns:p14="http://schemas.microsoft.com/office/powerpoint/2010/main" val="2428497864"/>
+      </p:ext>
+    </p:extLst>
+  </p:cSld>
+  <p:clrMapOvr>
+    <a:masterClrMapping/>
+  </p:clrMapOvr>
+</p:sld>
+</file>
+
+<file path=ppt/slides/slide5.xml><?xml version="1.0" encoding="utf-8"?>
+<p:sld xmlns:a="http://schemas.openxmlformats.org/drawingml/2006/main" xmlns:r="http://schemas.openxmlformats.org/officeDocument/2006/relationships" xmlns:p="http://schemas.openxmlformats.org/presentationml/2006/main">
+  <p:cSld>
+    <p:bg>
+      <p:bgPr>
+        <a:solidFill>
+          <a:schemeClr val="bg2">
+            <a:lumMod val="90000"/>
+          </a:schemeClr>
+        </a:solidFill>
+        <a:effectLst/>
+      </p:bgPr>
+    </p:bg>
+    <p:spTree>
+      <p:nvGrpSpPr>
+        <p:cNvPr id="1" name=""/>
+        <p:cNvGrpSpPr/>
+        <p:nvPr/>
+      </p:nvGrpSpPr>
+      <p:grpSpPr>
+        <a:xfrm>
+          <a:off x="0" y="0"/>
+          <a:ext cx="0" cy="0"/>
+          <a:chOff x="0" y="0"/>
+          <a:chExt cx="0" cy="0"/>
+        </a:xfrm>
+      </p:grpSpPr>
+      <p:sp>
+        <p:nvSpPr>
+          <p:cNvPr id="2" name="標題 1">
+            <a:extLst>
+              <a:ext uri="{FF2B5EF4-FFF2-40B4-BE49-F238E27FC236}">
+                <a16:creationId xmlns:a16="http://schemas.microsoft.com/office/drawing/2014/main" id="{32532283-9F93-4E44-8138-32796965361F}"/>
+              </a:ext>
+            </a:extLst>
+          </p:cNvPr>
+          <p:cNvSpPr>
+            <a:spLocks noGrp="1"/>
+          </p:cNvSpPr>
+          <p:nvPr>
+            <p:ph type="ctrTitle"/>
+          </p:nvPr>
+        </p:nvSpPr>
+        <p:spPr>
+          <a:xfrm>
+            <a:off x="142044" y="168677"/>
+            <a:ext cx="3835152" cy="514904"/>
+          </a:xfrm>
+        </p:spPr>
+        <p:txBody>
+          <a:bodyPr>
+            <a:normAutofit/>
+          </a:bodyPr>
+          <a:lstStyle/>
+          <a:p>
+            <a:pPr algn="l"/>
+            <a:r>
+              <a:rPr lang="en-US" altLang="zh-TW" sz="3000" dirty="0">
+                <a:latin typeface="標楷體" panose="03000509000000000000" pitchFamily="65" charset="-120"/>
+                <a:ea typeface="標楷體" panose="03000509000000000000" pitchFamily="65" charset="-120"/>
+              </a:rPr>
+              <a:t>4.</a:t>
+            </a:r>
+            <a:r>
+              <a:rPr lang="zh-TW" altLang="en-US" sz="3000" dirty="0">
+                <a:latin typeface="標楷體" panose="03000509000000000000" pitchFamily="65" charset="-120"/>
+                <a:ea typeface="標楷體" panose="03000509000000000000" pitchFamily="65" charset="-120"/>
+              </a:rPr>
+              <a:t> 結果</a:t>
+            </a:r>
+          </a:p>
+        </p:txBody>
+      </p:sp>
+      <p:sp>
+        <p:nvSpPr>
+          <p:cNvPr id="3" name="副標題 2">
+            <a:extLst>
+              <a:ext uri="{FF2B5EF4-FFF2-40B4-BE49-F238E27FC236}">
+                <a16:creationId xmlns:a16="http://schemas.microsoft.com/office/drawing/2014/main" id="{8C946F38-524D-4B98-B9CB-80AEE57E455A}"/>
+              </a:ext>
+            </a:extLst>
+          </p:cNvPr>
+          <p:cNvSpPr>
+            <a:spLocks noGrp="1"/>
+          </p:cNvSpPr>
+          <p:nvPr>
+            <p:ph type="subTitle" idx="1"/>
+          </p:nvPr>
+        </p:nvSpPr>
+        <p:spPr>
+          <a:xfrm>
+            <a:off x="142044" y="683582"/>
+            <a:ext cx="5566298" cy="5566050"/>
+          </a:xfrm>
+        </p:spPr>
+        <p:txBody>
+          <a:bodyPr/>
+          <a:lstStyle/>
+          <a:p>
+            <a:endParaRPr lang="zh-TW" altLang="en-US" dirty="0"/>
+          </a:p>
+        </p:txBody>
+      </p:sp>
+      <p:pic>
+        <p:nvPicPr>
+          <p:cNvPr id="5" name="圖片 4">
+            <a:extLst>
+              <a:ext uri="{FF2B5EF4-FFF2-40B4-BE49-F238E27FC236}">
+                <a16:creationId xmlns:a16="http://schemas.microsoft.com/office/drawing/2014/main" id="{770CDD56-B33A-41F6-B199-94268AD3FAF9}"/>
+              </a:ext>
+            </a:extLst>
+          </p:cNvPr>
+          <p:cNvPicPr>
+            <a:picLocks noChangeAspect="1"/>
+          </p:cNvPicPr>
+          <p:nvPr/>
+        </p:nvPicPr>
+        <p:blipFill>
+          <a:blip r:embed="rId3">
+            <a:extLst>
+              <a:ext uri="{28A0092B-C50C-407E-A947-70E740481C1C}">
+                <a14:useLocalDpi xmlns:a14="http://schemas.microsoft.com/office/drawing/2010/main" val="0"/>
+              </a:ext>
+            </a:extLst>
+          </a:blip>
+          <a:stretch>
+            <a:fillRect/>
+          </a:stretch>
+        </p:blipFill>
+        <p:spPr>
+          <a:xfrm>
+            <a:off x="142044" y="683581"/>
+            <a:ext cx="5566298" cy="5566298"/>
+          </a:xfrm>
+          <a:prstGeom prst="rect">
+            <a:avLst/>
+          </a:prstGeom>
+        </p:spPr>
+      </p:pic>
+    </p:spTree>
+    <p:extLst>
+      <p:ext uri="{BB962C8B-B14F-4D97-AF65-F5344CB8AC3E}">
+        <p14:creationId xmlns:p14="http://schemas.microsoft.com/office/powerpoint/2010/main" val="3595334589"/>
+      </p:ext>
+    </p:extLst>
+  </p:cSld>
+  <p:clrMapOvr>
+    <a:masterClrMapping/>
+  </p:clrMapOvr>
+</p:sld>
+</file>
+
+<file path=ppt/slides/slide6.xml><?xml version="1.0" encoding="utf-8"?>
+<p:sld xmlns:a="http://schemas.openxmlformats.org/drawingml/2006/main" xmlns:r="http://schemas.openxmlformats.org/officeDocument/2006/relationships" xmlns:p="http://schemas.openxmlformats.org/presentationml/2006/main">
+  <p:cSld>
+    <p:bg>
+      <p:bgPr>
+        <a:solidFill>
+          <a:schemeClr val="bg2">
+            <a:lumMod val="90000"/>
+          </a:schemeClr>
+        </a:solidFill>
+        <a:effectLst/>
+      </p:bgPr>
+    </p:bg>
+    <p:spTree>
+      <p:nvGrpSpPr>
+        <p:cNvPr id="1" name=""/>
+        <p:cNvGrpSpPr/>
+        <p:nvPr/>
+      </p:nvGrpSpPr>
+      <p:grpSpPr>
+        <a:xfrm>
+          <a:off x="0" y="0"/>
+          <a:ext cx="0" cy="0"/>
+          <a:chOff x="0" y="0"/>
+          <a:chExt cx="0" cy="0"/>
+        </a:xfrm>
+      </p:grpSpPr>
+      <p:sp>
+        <p:nvSpPr>
+          <p:cNvPr id="2" name="標題 1">
+            <a:extLst>
+              <a:ext uri="{FF2B5EF4-FFF2-40B4-BE49-F238E27FC236}">
+                <a16:creationId xmlns:a16="http://schemas.microsoft.com/office/drawing/2014/main" id="{32532283-9F93-4E44-8138-32796965361F}"/>
+              </a:ext>
+            </a:extLst>
+          </p:cNvPr>
+          <p:cNvSpPr>
+            <a:spLocks noGrp="1"/>
+          </p:cNvSpPr>
+          <p:nvPr>
+            <p:ph type="ctrTitle"/>
+          </p:nvPr>
+        </p:nvSpPr>
+        <p:spPr>
+          <a:xfrm>
+            <a:off x="142044" y="168677"/>
+            <a:ext cx="3835152" cy="514904"/>
+          </a:xfrm>
+        </p:spPr>
+        <p:txBody>
+          <a:bodyPr>
+            <a:normAutofit/>
+          </a:bodyPr>
+          <a:lstStyle/>
+          <a:p>
+            <a:pPr algn="l"/>
+            <a:r>
+              <a:rPr lang="en-US" altLang="zh-TW" sz="3000" dirty="0">
+                <a:latin typeface="標楷體" panose="03000509000000000000" pitchFamily="65" charset="-120"/>
+                <a:ea typeface="標楷體" panose="03000509000000000000" pitchFamily="65" charset="-120"/>
+              </a:rPr>
+              <a:t>5. </a:t>
+            </a:r>
+            <a:r>
+              <a:rPr lang="zh-TW" altLang="en-US" sz="3000" dirty="0">
+                <a:latin typeface="標楷體" panose="03000509000000000000" pitchFamily="65" charset="-120"/>
+                <a:ea typeface="標楷體" panose="03000509000000000000" pitchFamily="65" charset="-120"/>
+              </a:rPr>
+              <a:t>意外</a:t>
+            </a:r>
+          </a:p>
+        </p:txBody>
+      </p:sp>
+      <p:sp>
+        <p:nvSpPr>
+          <p:cNvPr id="3" name="副標題 2">
+            <a:extLst>
+              <a:ext uri="{FF2B5EF4-FFF2-40B4-BE49-F238E27FC236}">
+                <a16:creationId xmlns:a16="http://schemas.microsoft.com/office/drawing/2014/main" id="{8C946F38-524D-4B98-B9CB-80AEE57E455A}"/>
+              </a:ext>
+            </a:extLst>
+          </p:cNvPr>
+          <p:cNvSpPr>
+            <a:spLocks noGrp="1"/>
+          </p:cNvSpPr>
+          <p:nvPr>
+            <p:ph type="subTitle" idx="1"/>
+          </p:nvPr>
+        </p:nvSpPr>
+        <p:spPr>
+          <a:xfrm>
+            <a:off x="142044" y="683582"/>
+            <a:ext cx="5566298" cy="5566050"/>
+          </a:xfrm>
+        </p:spPr>
+        <p:txBody>
+          <a:bodyPr/>
+          <a:lstStyle/>
+          <a:p>
+            <a:endParaRPr lang="zh-TW" altLang="en-US" dirty="0"/>
+          </a:p>
+        </p:txBody>
+      </p:sp>
+      <p:pic>
+        <p:nvPicPr>
+          <p:cNvPr id="5" name="圖片 4">
+            <a:extLst>
+              <a:ext uri="{FF2B5EF4-FFF2-40B4-BE49-F238E27FC236}">
+                <a16:creationId xmlns:a16="http://schemas.microsoft.com/office/drawing/2014/main" id="{86A981BF-7DCC-420A-B438-6C066469C70B}"/>
+              </a:ext>
+            </a:extLst>
+          </p:cNvPr>
+          <p:cNvPicPr>
+            <a:picLocks noChangeAspect="1"/>
+          </p:cNvPicPr>
+          <p:nvPr/>
+        </p:nvPicPr>
+        <p:blipFill>
+          <a:blip r:embed="rId3">
+            <a:extLst>
+              <a:ext uri="{28A0092B-C50C-407E-A947-70E740481C1C}">
+                <a14:useLocalDpi xmlns:a14="http://schemas.microsoft.com/office/drawing/2010/main" val="0"/>
+              </a:ext>
+            </a:extLst>
+          </a:blip>
+          <a:stretch>
+            <a:fillRect/>
+          </a:stretch>
+        </p:blipFill>
+        <p:spPr>
+          <a:xfrm>
+            <a:off x="142044" y="683581"/>
+            <a:ext cx="5566298" cy="5566298"/>
+          </a:xfrm>
+          <a:prstGeom prst="rect">
+            <a:avLst/>
+          </a:prstGeom>
+        </p:spPr>
+      </p:pic>
+    </p:spTree>
+    <p:extLst>
+      <p:ext uri="{BB962C8B-B14F-4D97-AF65-F5344CB8AC3E}">
+        <p14:creationId xmlns:p14="http://schemas.microsoft.com/office/powerpoint/2010/main" val="1729679620"/>
+      </p:ext>
+    </p:extLst>
+  </p:cSld>
+  <p:clrMapOvr>
+    <a:masterClrMapping/>
+  </p:clrMapOvr>
+</p:sld>
+</file>
+
+<file path=ppt/slides/slide7.xml><?xml version="1.0" encoding="utf-8"?>
+<p:sld xmlns:a="http://schemas.openxmlformats.org/drawingml/2006/main" xmlns:r="http://schemas.openxmlformats.org/officeDocument/2006/relationships" xmlns:p="http://schemas.openxmlformats.org/presentationml/2006/main">
+  <p:cSld>
+    <p:bg>
+      <p:bgPr>
+        <a:solidFill>
+          <a:schemeClr val="bg2">
+            <a:lumMod val="90000"/>
+          </a:schemeClr>
+        </a:solidFill>
+        <a:effectLst/>
+      </p:bgPr>
+    </p:bg>
+    <p:spTree>
+      <p:nvGrpSpPr>
+        <p:cNvPr id="1" name=""/>
+        <p:cNvGrpSpPr/>
+        <p:nvPr/>
+      </p:nvGrpSpPr>
+      <p:grpSpPr>
+        <a:xfrm>
+          <a:off x="0" y="0"/>
+          <a:ext cx="0" cy="0"/>
+          <a:chOff x="0" y="0"/>
+          <a:chExt cx="0" cy="0"/>
+        </a:xfrm>
+      </p:grpSpPr>
+      <p:sp>
+        <p:nvSpPr>
+          <p:cNvPr id="2" name="標題 1">
+            <a:extLst>
+              <a:ext uri="{FF2B5EF4-FFF2-40B4-BE49-F238E27FC236}">
+                <a16:creationId xmlns:a16="http://schemas.microsoft.com/office/drawing/2014/main" id="{32532283-9F93-4E44-8138-32796965361F}"/>
+              </a:ext>
+            </a:extLst>
+          </p:cNvPr>
+          <p:cNvSpPr>
+            <a:spLocks noGrp="1"/>
+          </p:cNvSpPr>
+          <p:nvPr>
+            <p:ph type="ctrTitle"/>
+          </p:nvPr>
+        </p:nvSpPr>
+        <p:spPr>
+          <a:xfrm>
+            <a:off x="142044" y="168677"/>
+            <a:ext cx="3835152" cy="514904"/>
+          </a:xfrm>
+        </p:spPr>
+        <p:txBody>
+          <a:bodyPr>
+            <a:normAutofit/>
+          </a:bodyPr>
+          <a:lstStyle/>
+          <a:p>
+            <a:pPr algn="l"/>
+            <a:r>
+              <a:rPr lang="en-US" altLang="zh-TW" sz="3000" dirty="0">
+                <a:latin typeface="標楷體" panose="03000509000000000000" pitchFamily="65" charset="-120"/>
+                <a:ea typeface="標楷體" panose="03000509000000000000" pitchFamily="65" charset="-120"/>
+              </a:rPr>
+              <a:t>6. </a:t>
+            </a:r>
+            <a:r>
+              <a:rPr lang="zh-TW" altLang="en-US" sz="3000" dirty="0">
+                <a:latin typeface="標楷體" panose="03000509000000000000" pitchFamily="65" charset="-120"/>
+                <a:ea typeface="標楷體" panose="03000509000000000000" pitchFamily="65" charset="-120"/>
+              </a:rPr>
+              <a:t>轉彎</a:t>
+            </a:r>
+          </a:p>
+        </p:txBody>
+      </p:sp>
+      <p:sp>
+        <p:nvSpPr>
+          <p:cNvPr id="3" name="副標題 2">
+            <a:extLst>
+              <a:ext uri="{FF2B5EF4-FFF2-40B4-BE49-F238E27FC236}">
+                <a16:creationId xmlns:a16="http://schemas.microsoft.com/office/drawing/2014/main" id="{8C946F38-524D-4B98-B9CB-80AEE57E455A}"/>
+              </a:ext>
+            </a:extLst>
+          </p:cNvPr>
+          <p:cNvSpPr>
+            <a:spLocks noGrp="1"/>
+          </p:cNvSpPr>
+          <p:nvPr>
+            <p:ph type="subTitle" idx="1"/>
+          </p:nvPr>
+        </p:nvSpPr>
+        <p:spPr>
+          <a:xfrm>
+            <a:off x="142044" y="683582"/>
+            <a:ext cx="5566298" cy="5566050"/>
+          </a:xfrm>
+        </p:spPr>
+        <p:txBody>
+          <a:bodyPr/>
+          <a:lstStyle/>
+          <a:p>
+            <a:endParaRPr lang="zh-TW" altLang="en-US" dirty="0"/>
+          </a:p>
+        </p:txBody>
+      </p:sp>
+      <p:pic>
+        <p:nvPicPr>
+          <p:cNvPr id="5" name="圖片 4">
+            <a:extLst>
+              <a:ext uri="{FF2B5EF4-FFF2-40B4-BE49-F238E27FC236}">
+                <a16:creationId xmlns:a16="http://schemas.microsoft.com/office/drawing/2014/main" id="{66DECC9E-25CA-49F5-B12B-92119F23ADEF}"/>
+              </a:ext>
+            </a:extLst>
+          </p:cNvPr>
+          <p:cNvPicPr>
+            <a:picLocks noChangeAspect="1"/>
+          </p:cNvPicPr>
+          <p:nvPr/>
+        </p:nvPicPr>
+        <p:blipFill>
+          <a:blip r:embed="rId3">
+            <a:extLst>
+              <a:ext uri="{28A0092B-C50C-407E-A947-70E740481C1C}">
+                <a14:useLocalDpi xmlns:a14="http://schemas.microsoft.com/office/drawing/2010/main" val="0"/>
+              </a:ext>
+            </a:extLst>
+          </a:blip>
+          <a:stretch>
+            <a:fillRect/>
+          </a:stretch>
+        </p:blipFill>
+        <p:spPr>
+          <a:xfrm>
+            <a:off x="142044" y="683581"/>
+            <a:ext cx="5566298" cy="5566298"/>
+          </a:xfrm>
+          <a:prstGeom prst="rect">
+            <a:avLst/>
+          </a:prstGeom>
+        </p:spPr>
+      </p:pic>
+    </p:spTree>
+    <p:extLst>
+      <p:ext uri="{BB962C8B-B14F-4D97-AF65-F5344CB8AC3E}">
+        <p14:creationId xmlns:p14="http://schemas.microsoft.com/office/powerpoint/2010/main" val="2255708092"/>
+      </p:ext>
+    </p:extLst>
+  </p:cSld>
+  <p:clrMapOvr>
+    <a:masterClrMapping/>
+  </p:clrMapOvr>
+</p:sld>
+</file>
+
+<file path=ppt/slides/slide8.xml><?xml version="1.0" encoding="utf-8"?>
+<p:sld xmlns:a="http://schemas.openxmlformats.org/drawingml/2006/main" xmlns:r="http://schemas.openxmlformats.org/officeDocument/2006/relationships" xmlns:p="http://schemas.openxmlformats.org/presentationml/2006/main">
+  <p:cSld>
+    <p:bg>
+      <p:bgPr>
+        <a:solidFill>
+          <a:schemeClr val="bg2">
+            <a:lumMod val="90000"/>
+          </a:schemeClr>
+        </a:solidFill>
+        <a:effectLst/>
+      </p:bgPr>
+    </p:bg>
+    <p:spTree>
+      <p:nvGrpSpPr>
+        <p:cNvPr id="1" name=""/>
+        <p:cNvGrpSpPr/>
+        <p:nvPr/>
+      </p:nvGrpSpPr>
+      <p:grpSpPr>
+        <a:xfrm>
+          <a:off x="0" y="0"/>
+          <a:ext cx="0" cy="0"/>
+          <a:chOff x="0" y="0"/>
+          <a:chExt cx="0" cy="0"/>
+        </a:xfrm>
+      </p:grpSpPr>
+      <p:sp>
+        <p:nvSpPr>
+          <p:cNvPr id="2" name="標題 1">
+            <a:extLst>
+              <a:ext uri="{FF2B5EF4-FFF2-40B4-BE49-F238E27FC236}">
+                <a16:creationId xmlns:a16="http://schemas.microsoft.com/office/drawing/2014/main" id="{32532283-9F93-4E44-8138-32796965361F}"/>
+              </a:ext>
+            </a:extLst>
+          </p:cNvPr>
+          <p:cNvSpPr>
+            <a:spLocks noGrp="1"/>
+          </p:cNvSpPr>
+          <p:nvPr>
+            <p:ph type="ctrTitle"/>
+          </p:nvPr>
+        </p:nvSpPr>
+        <p:spPr>
+          <a:xfrm>
+            <a:off x="142044" y="168677"/>
+            <a:ext cx="3835152" cy="514904"/>
+          </a:xfrm>
+        </p:spPr>
+        <p:txBody>
+          <a:bodyPr>
+            <a:normAutofit/>
+          </a:bodyPr>
+          <a:lstStyle/>
+          <a:p>
+            <a:pPr algn="l"/>
+            <a:r>
+              <a:rPr lang="en-US" altLang="zh-TW" sz="3000" dirty="0">
+                <a:latin typeface="標楷體" panose="03000509000000000000" pitchFamily="65" charset="-120"/>
+                <a:ea typeface="標楷體" panose="03000509000000000000" pitchFamily="65" charset="-120"/>
+              </a:rPr>
+              <a:t>7.</a:t>
+            </a:r>
+            <a:r>
+              <a:rPr lang="zh-TW" altLang="en-US" sz="3000" dirty="0">
+                <a:latin typeface="標楷體" panose="03000509000000000000" pitchFamily="65" charset="-120"/>
+                <a:ea typeface="標楷體" panose="03000509000000000000" pitchFamily="65" charset="-120"/>
+              </a:rPr>
+              <a:t>結局</a:t>
+            </a:r>
+          </a:p>
+        </p:txBody>
+      </p:sp>
+      <p:sp>
+        <p:nvSpPr>
+          <p:cNvPr id="3" name="副標題 2">
+            <a:extLst>
+              <a:ext uri="{FF2B5EF4-FFF2-40B4-BE49-F238E27FC236}">
+                <a16:creationId xmlns:a16="http://schemas.microsoft.com/office/drawing/2014/main" id="{8C946F38-524D-4B98-B9CB-80AEE57E455A}"/>
+              </a:ext>
+            </a:extLst>
+          </p:cNvPr>
+          <p:cNvSpPr>
+            <a:spLocks noGrp="1"/>
+          </p:cNvSpPr>
+          <p:nvPr>
+            <p:ph type="subTitle" idx="1"/>
+          </p:nvPr>
+        </p:nvSpPr>
+        <p:spPr>
+          <a:xfrm>
+            <a:off x="142044" y="683582"/>
+            <a:ext cx="5566298" cy="5566050"/>
+          </a:xfrm>
+        </p:spPr>
+        <p:txBody>
+          <a:bodyPr/>
+          <a:lstStyle/>
+          <a:p>
+            <a:endParaRPr lang="zh-TW" altLang="en-US" dirty="0"/>
+          </a:p>
+        </p:txBody>
+      </p:sp>
+      <p:pic>
+        <p:nvPicPr>
+          <p:cNvPr id="5" name="圖片 4">
+            <a:extLst>
+              <a:ext uri="{FF2B5EF4-FFF2-40B4-BE49-F238E27FC236}">
+                <a16:creationId xmlns:a16="http://schemas.microsoft.com/office/drawing/2014/main" id="{62BC778B-E482-4346-83B7-54AF220ECE7C}"/>
+              </a:ext>
+            </a:extLst>
+          </p:cNvPr>
+          <p:cNvPicPr>
+            <a:picLocks noChangeAspect="1"/>
+          </p:cNvPicPr>
+          <p:nvPr/>
+        </p:nvPicPr>
+        <p:blipFill>
+          <a:blip r:embed="rId3">
+            <a:extLst>
+              <a:ext uri="{28A0092B-C50C-407E-A947-70E740481C1C}">
+                <a14:useLocalDpi xmlns:a14="http://schemas.microsoft.com/office/drawing/2010/main" val="0"/>
+              </a:ext>
+            </a:extLst>
+          </a:blip>
+          <a:stretch>
+            <a:fillRect/>
+          </a:stretch>
+        </p:blipFill>
+        <p:spPr>
+          <a:xfrm>
+            <a:off x="142044" y="683581"/>
+            <a:ext cx="5566298" cy="5566298"/>
+          </a:xfrm>
+          <a:prstGeom prst="rect">
+            <a:avLst/>
+          </a:prstGeom>
+        </p:spPr>
+      </p:pic>
+    </p:spTree>
+    <p:extLst>
+      <p:ext uri="{BB962C8B-B14F-4D97-AF65-F5344CB8AC3E}">
+        <p14:creationId xmlns:p14="http://schemas.microsoft.com/office/powerpoint/2010/main" val="3832038848"/>
       </p:ext>
     </p:extLst>
   </p:cSld>
@@ -3677,4 +5999,299 @@
     </a:ext>
   </a:extLst>
 </a:theme>
+</file>
+
+<file path=ppt/theme/theme2.xml><?xml version="1.0" encoding="utf-8"?>
+<a:theme xmlns:a="http://schemas.openxmlformats.org/drawingml/2006/main" name="Office 佈景主題">
+  <a:themeElements>
+    <a:clrScheme name="Office">
+      <a:dk1>
+        <a:sysClr val="windowText" lastClr="000000"/>
+      </a:dk1>
+      <a:lt1>
+        <a:sysClr val="window" lastClr="FFFFFF"/>
+      </a:lt1>
+      <a:dk2>
+        <a:srgbClr val="44546A"/>
+      </a:dk2>
+      <a:lt2>
+        <a:srgbClr val="E7E6E6"/>
+      </a:lt2>
+      <a:accent1>
+        <a:srgbClr val="4472C4"/>
+      </a:accent1>
+      <a:accent2>
+        <a:srgbClr val="ED7D31"/>
+      </a:accent2>
+      <a:accent3>
+        <a:srgbClr val="A5A5A5"/>
+      </a:accent3>
+      <a:accent4>
+        <a:srgbClr val="FFC000"/>
+      </a:accent4>
+      <a:accent5>
+        <a:srgbClr val="5B9BD5"/>
+      </a:accent5>
+      <a:accent6>
+        <a:srgbClr val="70AD47"/>
+      </a:accent6>
+      <a:hlink>
+        <a:srgbClr val="0563C1"/>
+      </a:hlink>
+      <a:folHlink>
+        <a:srgbClr val="954F72"/>
+      </a:folHlink>
+    </a:clrScheme>
+    <a:fontScheme name="Office">
+      <a:majorFont>
+        <a:latin typeface="Calibri Light" panose="020F0302020204030204"/>
+        <a:ea typeface=""/>
+        <a:cs typeface=""/>
+        <a:font script="Jpan" typeface="游ゴシック Light"/>
+        <a:font script="Hang" typeface="맑은 고딕"/>
+        <a:font script="Hans" typeface="等线 Light"/>
+        <a:font script="Hant" typeface="新細明體"/>
+        <a:font script="Arab" typeface="Times New Roman"/>
+        <a:font script="Hebr" typeface="Times New Roman"/>
+        <a:font script="Thai" typeface="Angsana New"/>
+        <a:font script="Ethi" typeface="Nyala"/>
+        <a:font script="Beng" typeface="Vrinda"/>
+        <a:font script="Gujr" typeface="Shruti"/>
+        <a:font script="Khmr" typeface="MoolBoran"/>
+        <a:font script="Knda" typeface="Tunga"/>
+        <a:font script="Guru" typeface="Raavi"/>
+        <a:font script="Cans" typeface="Euphemia"/>
+        <a:font script="Cher" typeface="Plantagenet Cherokee"/>
+        <a:font script="Yiii" typeface="Microsoft Yi Baiti"/>
+        <a:font script="Tibt" typeface="Microsoft Himalaya"/>
+        <a:font script="Thaa" typeface="MV Boli"/>
+        <a:font script="Deva" typeface="Mangal"/>
+        <a:font script="Telu" typeface="Gautami"/>
+        <a:font script="Taml" typeface="Latha"/>
+        <a:font script="Syrc" typeface="Estrangelo Edessa"/>
+        <a:font script="Orya" typeface="Kalinga"/>
+        <a:font script="Mlym" typeface="Kartika"/>
+        <a:font script="Laoo" typeface="DokChampa"/>
+        <a:font script="Sinh" typeface="Iskoola Pota"/>
+        <a:font script="Mong" typeface="Mongolian Baiti"/>
+        <a:font script="Viet" typeface="Times New Roman"/>
+        <a:font script="Uigh" typeface="Microsoft Uighur"/>
+        <a:font script="Geor" typeface="Sylfaen"/>
+        <a:font script="Armn" typeface="Arial"/>
+        <a:font script="Bugi" typeface="Leelawadee UI"/>
+        <a:font script="Bopo" typeface="Microsoft JhengHei"/>
+        <a:font script="Java" typeface="Javanese Text"/>
+        <a:font script="Lisu" typeface="Segoe UI"/>
+        <a:font script="Mymr" typeface="Myanmar Text"/>
+        <a:font script="Nkoo" typeface="Ebrima"/>
+        <a:font script="Olck" typeface="Nirmala UI"/>
+        <a:font script="Osma" typeface="Ebrima"/>
+        <a:font script="Phag" typeface="Phagspa"/>
+        <a:font script="Syrn" typeface="Estrangelo Edessa"/>
+        <a:font script="Syrj" typeface="Estrangelo Edessa"/>
+        <a:font script="Syre" typeface="Estrangelo Edessa"/>
+        <a:font script="Sora" typeface="Nirmala UI"/>
+        <a:font script="Tale" typeface="Microsoft Tai Le"/>
+        <a:font script="Talu" typeface="Microsoft New Tai Lue"/>
+        <a:font script="Tfng" typeface="Ebrima"/>
+      </a:majorFont>
+      <a:minorFont>
+        <a:latin typeface="Calibri" panose="020F0502020204030204"/>
+        <a:ea typeface=""/>
+        <a:cs typeface=""/>
+        <a:font script="Jpan" typeface="游ゴシック"/>
+        <a:font script="Hang" typeface="맑은 고딕"/>
+        <a:font script="Hans" typeface="等线"/>
+        <a:font script="Hant" typeface="新細明體"/>
+        <a:font script="Arab" typeface="Arial"/>
+        <a:font script="Hebr" typeface="Arial"/>
+        <a:font script="Thai" typeface="Cordia New"/>
+        <a:font script="Ethi" typeface="Nyala"/>
+        <a:font script="Beng" typeface="Vrinda"/>
+        <a:font script="Gujr" typeface="Shruti"/>
+        <a:font script="Khmr" typeface="DaunPenh"/>
+        <a:font script="Knda" typeface="Tunga"/>
+        <a:font script="Guru" typeface="Raavi"/>
+        <a:font script="Cans" typeface="Euphemia"/>
+        <a:font script="Cher" typeface="Plantagenet Cherokee"/>
+        <a:font script="Yiii" typeface="Microsoft Yi Baiti"/>
+        <a:font script="Tibt" typeface="Microsoft Himalaya"/>
+        <a:font script="Thaa" typeface="MV Boli"/>
+        <a:font script="Deva" typeface="Mangal"/>
+        <a:font script="Telu" typeface="Gautami"/>
+        <a:font script="Taml" typeface="Latha"/>
+        <a:font script="Syrc" typeface="Estrangelo Edessa"/>
+        <a:font script="Orya" typeface="Kalinga"/>
+        <a:font script="Mlym" typeface="Kartika"/>
+        <a:font script="Laoo" typeface="DokChampa"/>
+        <a:font script="Sinh" typeface="Iskoola Pota"/>
+        <a:font script="Mong" typeface="Mongolian Baiti"/>
+        <a:font script="Viet" typeface="Arial"/>
+        <a:font script="Uigh" typeface="Microsoft Uighur"/>
+        <a:font script="Geor" typeface="Sylfaen"/>
+        <a:font script="Armn" typeface="Arial"/>
+        <a:font script="Bugi" typeface="Leelawadee UI"/>
+        <a:font script="Bopo" typeface="Microsoft JhengHei"/>
+        <a:font script="Java" typeface="Javanese Text"/>
+        <a:font script="Lisu" typeface="Segoe UI"/>
+        <a:font script="Mymr" typeface="Myanmar Text"/>
+        <a:font script="Nkoo" typeface="Ebrima"/>
+        <a:font script="Olck" typeface="Nirmala UI"/>
+        <a:font script="Osma" typeface="Ebrima"/>
+        <a:font script="Phag" typeface="Phagspa"/>
+        <a:font script="Syrn" typeface="Estrangelo Edessa"/>
+        <a:font script="Syrj" typeface="Estrangelo Edessa"/>
+        <a:font script="Syre" typeface="Estrangelo Edessa"/>
+        <a:font script="Sora" typeface="Nirmala UI"/>
+        <a:font script="Tale" typeface="Microsoft Tai Le"/>
+        <a:font script="Talu" typeface="Microsoft New Tai Lue"/>
+        <a:font script="Tfng" typeface="Ebrima"/>
+      </a:minorFont>
+    </a:fontScheme>
+    <a:fmtScheme name="Office">
+      <a:fillStyleLst>
+        <a:solidFill>
+          <a:schemeClr val="phClr"/>
+        </a:solidFill>
+        <a:gradFill rotWithShape="1">
+          <a:gsLst>
+            <a:gs pos="0">
+              <a:schemeClr val="phClr">
+                <a:lumMod val="110000"/>
+                <a:satMod val="105000"/>
+                <a:tint val="67000"/>
+              </a:schemeClr>
+            </a:gs>
+            <a:gs pos="50000">
+              <a:schemeClr val="phClr">
+                <a:lumMod val="105000"/>
+                <a:satMod val="103000"/>
+                <a:tint val="73000"/>
+              </a:schemeClr>
+            </a:gs>
+            <a:gs pos="100000">
+              <a:schemeClr val="phClr">
+                <a:lumMod val="105000"/>
+                <a:satMod val="109000"/>
+                <a:tint val="81000"/>
+              </a:schemeClr>
+            </a:gs>
+          </a:gsLst>
+          <a:lin ang="5400000" scaled="0"/>
+        </a:gradFill>
+        <a:gradFill rotWithShape="1">
+          <a:gsLst>
+            <a:gs pos="0">
+              <a:schemeClr val="phClr">
+                <a:satMod val="103000"/>
+                <a:lumMod val="102000"/>
+                <a:tint val="94000"/>
+              </a:schemeClr>
+            </a:gs>
+            <a:gs pos="50000">
+              <a:schemeClr val="phClr">
+                <a:satMod val="110000"/>
+                <a:lumMod val="100000"/>
+                <a:shade val="100000"/>
+              </a:schemeClr>
+            </a:gs>
+            <a:gs pos="100000">
+              <a:schemeClr val="phClr">
+                <a:lumMod val="99000"/>
+                <a:satMod val="120000"/>
+                <a:shade val="78000"/>
+              </a:schemeClr>
+            </a:gs>
+          </a:gsLst>
+          <a:lin ang="5400000" scaled="0"/>
+        </a:gradFill>
+      </a:fillStyleLst>
+      <a:lnStyleLst>
+        <a:ln w="6350" cap="flat" cmpd="sng" algn="ctr">
+          <a:solidFill>
+            <a:schemeClr val="phClr"/>
+          </a:solidFill>
+          <a:prstDash val="solid"/>
+          <a:miter lim="800000"/>
+        </a:ln>
+        <a:ln w="12700" cap="flat" cmpd="sng" algn="ctr">
+          <a:solidFill>
+            <a:schemeClr val="phClr"/>
+          </a:solidFill>
+          <a:prstDash val="solid"/>
+          <a:miter lim="800000"/>
+        </a:ln>
+        <a:ln w="19050" cap="flat" cmpd="sng" algn="ctr">
+          <a:solidFill>
+            <a:schemeClr val="phClr"/>
+          </a:solidFill>
+          <a:prstDash val="solid"/>
+          <a:miter lim="800000"/>
+        </a:ln>
+      </a:lnStyleLst>
+      <a:effectStyleLst>
+        <a:effectStyle>
+          <a:effectLst/>
+        </a:effectStyle>
+        <a:effectStyle>
+          <a:effectLst/>
+        </a:effectStyle>
+        <a:effectStyle>
+          <a:effectLst>
+            <a:outerShdw blurRad="57150" dist="19050" dir="5400000" algn="ctr" rotWithShape="0">
+              <a:srgbClr val="000000">
+                <a:alpha val="63000"/>
+              </a:srgbClr>
+            </a:outerShdw>
+          </a:effectLst>
+        </a:effectStyle>
+      </a:effectStyleLst>
+      <a:bgFillStyleLst>
+        <a:solidFill>
+          <a:schemeClr val="phClr"/>
+        </a:solidFill>
+        <a:solidFill>
+          <a:schemeClr val="phClr">
+            <a:tint val="95000"/>
+            <a:satMod val="170000"/>
+          </a:schemeClr>
+        </a:solidFill>
+        <a:gradFill rotWithShape="1">
+          <a:gsLst>
+            <a:gs pos="0">
+              <a:schemeClr val="phClr">
+                <a:tint val="93000"/>
+                <a:satMod val="150000"/>
+                <a:shade val="98000"/>
+                <a:lumMod val="102000"/>
+              </a:schemeClr>
+            </a:gs>
+            <a:gs pos="50000">
+              <a:schemeClr val="phClr">
+                <a:tint val="98000"/>
+                <a:satMod val="130000"/>
+                <a:shade val="90000"/>
+                <a:lumMod val="103000"/>
+              </a:schemeClr>
+            </a:gs>
+            <a:gs pos="100000">
+              <a:schemeClr val="phClr">
+                <a:shade val="63000"/>
+                <a:satMod val="120000"/>
+              </a:schemeClr>
+            </a:gs>
+          </a:gsLst>
+          <a:lin ang="5400000" scaled="0"/>
+        </a:gradFill>
+      </a:bgFillStyleLst>
+    </a:fmtScheme>
+  </a:themeElements>
+  <a:objectDefaults/>
+  <a:extraClrSchemeLst/>
+  <a:extLst>
+    <a:ext uri="{05A4C25C-085E-4340-85A3-A5531E510DB2}">
+      <thm15:themeFamily xmlns:thm15="http://schemas.microsoft.com/office/thememl/2012/main" name="Office Theme" id="{62F939B6-93AF-4DB8-9C6B-D6C7DFDC589F}" vid="{4A3C46E8-61CC-4603-A589-7422A47A8E4A}"/>
+    </a:ext>
+  </a:extLst>
+</a:theme>
 </file>